--- a/Figures_SI/electronic_correlations/combine/combine_images.pptx
+++ b/Figures_SI/electronic_correlations/combine/combine_images.pptx
@@ -5,11 +5,8 @@
     <p:sldMasterId id="2147483660" r:id="rId1"/>
   </p:sldMasterIdLst>
   <p:sldIdLst>
-    <p:sldId id="1654" r:id="rId2"/>
-    <p:sldId id="1656" r:id="rId3"/>
-    <p:sldId id="1653" r:id="rId4"/>
-    <p:sldId id="1652" r:id="rId5"/>
-    <p:sldId id="1657" r:id="rId6"/>
+    <p:sldId id="1652" r:id="rId2"/>
+    <p:sldId id="1657" r:id="rId3"/>
   </p:sldIdLst>
   <p:sldSz cx="12192000" cy="6858000"/>
   <p:notesSz cx="6858000" cy="9144000"/>
@@ -108,6 +105,11 @@
       </a:defRPr>
     </a:lvl9pPr>
   </p:defaultTextStyle>
+  <p:extLst>
+    <p:ext uri="{EFAFB233-063F-42B5-8137-9DF3F51BA10A}">
+      <p15:sldGuideLst xmlns:p15="http://schemas.microsoft.com/office/powerpoint/2012/main"/>
+    </p:ext>
+  </p:extLst>
 </p:presentation>
 </file>
 
@@ -1237,7 +1239,7 @@
           <a:p>
             <a:fld id="{025CB4DB-17C7-3C47-B8FC-CA8DAA57CD16}" type="datetime1">
               <a:rPr lang="da-DK" smtClean="0"/>
-              <a:t>19.06.2025</a:t>
+              <a:t>26.06.2025</a:t>
             </a:fld>
             <a:endParaRPr lang="en-GB" dirty="0"/>
           </a:p>
@@ -1490,7 +1492,7 @@
           <a:p>
             <a:fld id="{420B1B64-6903-8D45-8D2A-9338C2B7AC44}" type="datetime1">
               <a:rPr lang="da-DK" smtClean="0"/>
-              <a:t>19.06.2025</a:t>
+              <a:t>26.06.2025</a:t>
             </a:fld>
             <a:endParaRPr lang="en-GB" dirty="0"/>
           </a:p>
@@ -3559,7 +3561,7 @@
           <a:p>
             <a:fld id="{D05A487E-05B4-B647-BDD8-699F9077B661}" type="datetime1">
               <a:rPr lang="da-DK" smtClean="0"/>
-              <a:t>19.06.2025</a:t>
+              <a:t>26.06.2025</a:t>
             </a:fld>
             <a:endParaRPr lang="en-GB" dirty="0"/>
           </a:p>
@@ -3914,7 +3916,7 @@
           <a:p>
             <a:fld id="{3DAFDC2D-1E52-C849-8333-52FCAA6DEEC6}" type="datetimeFigureOut">
               <a:rPr lang="en-DK" smtClean="0"/>
-              <a:t>19/06/2025</a:t>
+              <a:t>26/06/2025</a:t>
             </a:fld>
             <a:endParaRPr lang="en-DK"/>
           </a:p>
@@ -4117,7 +4119,7 @@
           <a:p>
             <a:fld id="{22D8C74A-38EC-3840-AB49-1E0C4B490A1A}" type="datetime1">
               <a:rPr lang="da-DK" smtClean="0"/>
-              <a:t>19.06.2025</a:t>
+              <a:t>26.06.2025</a:t>
             </a:fld>
             <a:endParaRPr lang="en-GB" dirty="0"/>
           </a:p>
@@ -4373,7 +4375,7 @@
           <a:p>
             <a:fld id="{E51A98B0-BE60-8545-8980-4D728E764AD9}" type="datetime1">
               <a:rPr lang="da-DK" smtClean="0"/>
-              <a:t>19.06.2025</a:t>
+              <a:t>26.06.2025</a:t>
             </a:fld>
             <a:endParaRPr lang="en-GB" dirty="0"/>
           </a:p>
@@ -4743,7 +4745,7 @@
           <a:p>
             <a:fld id="{E85C236E-1C30-674C-B6D0-A0D07779EAB9}" type="datetime1">
               <a:rPr lang="da-DK" smtClean="0"/>
-              <a:t>19.06.2025</a:t>
+              <a:t>26.06.2025</a:t>
             </a:fld>
             <a:endParaRPr lang="en-GB" dirty="0"/>
           </a:p>
@@ -5123,7 +5125,7 @@
           <a:p>
             <a:fld id="{E9E1F3A7-0396-684C-9353-3AA45095AA71}" type="datetime1">
               <a:rPr lang="da-DK" smtClean="0"/>
-              <a:t>19.06.2025</a:t>
+              <a:t>26.06.2025</a:t>
             </a:fld>
             <a:endParaRPr lang="en-GB"/>
           </a:p>
@@ -5460,7 +5462,7 @@
           <a:p>
             <a:fld id="{87452FCF-DB2A-5F45-B650-526B780F2213}" type="datetime1">
               <a:rPr lang="da-DK" smtClean="0"/>
-              <a:t>19.06.2025</a:t>
+              <a:t>26.06.2025</a:t>
             </a:fld>
             <a:endParaRPr lang="en-GB"/>
           </a:p>
@@ -6177,7 +6179,7 @@
           <a:p>
             <a:fld id="{48E6AEDC-D177-4447-9167-1BF6F74D72EE}" type="datetime1">
               <a:rPr lang="da-DK" smtClean="0"/>
-              <a:t>19.06.2025</a:t>
+              <a:t>26.06.2025</a:t>
             </a:fld>
             <a:endParaRPr lang="en-GB"/>
           </a:p>
@@ -6339,7 +6341,7 @@
           <a:p>
             <a:fld id="{9A1051F6-884E-4D46-AD5F-8A730B377BAA}" type="datetime1">
               <a:rPr lang="da-DK" smtClean="0"/>
-              <a:t>19.06.2025</a:t>
+              <a:t>26.06.2025</a:t>
             </a:fld>
             <a:endParaRPr lang="en-GB"/>
           </a:p>
@@ -6473,7 +6475,7 @@
           <a:p>
             <a:fld id="{1E5994F3-19EB-214E-985D-C72A9F0F1D85}" type="datetime1">
               <a:rPr lang="da-DK" smtClean="0"/>
-              <a:t>19.06.2025</a:t>
+              <a:t>26.06.2025</a:t>
             </a:fld>
             <a:endParaRPr lang="en-GB"/>
           </a:p>
@@ -8084,7 +8086,7 @@
           <a:p>
             <a:fld id="{3AAA9B72-71C0-7042-B490-D81E80BA9064}" type="datetime1">
               <a:rPr lang="da-DK" smtClean="0"/>
-              <a:t>19.06.2025</a:t>
+              <a:t>26.06.2025</a:t>
             </a:fld>
             <a:endParaRPr lang="en-GB"/>
           </a:p>
@@ -8541,12 +8543,42 @@
           <a:chExt cx="0" cy="0"/>
         </a:xfrm>
       </p:grpSpPr>
+      <p:pic>
+        <p:nvPicPr>
+          <p:cNvPr id="7" name="Picture 6">
+            <a:extLst>
+              <a:ext uri="{FF2B5EF4-FFF2-40B4-BE49-F238E27FC236}">
+                <a16:creationId xmlns:a16="http://schemas.microsoft.com/office/drawing/2014/main" id="{A71CBCB1-56DD-3402-F24A-A2B4B5A6AE69}"/>
+              </a:ext>
+            </a:extLst>
+          </p:cNvPr>
+          <p:cNvPicPr>
+            <a:picLocks noChangeAspect="1"/>
+          </p:cNvPicPr>
+          <p:nvPr/>
+        </p:nvPicPr>
+        <p:blipFill>
+          <a:blip r:embed="rId2"/>
+          <a:stretch>
+            <a:fillRect/>
+          </a:stretch>
+        </p:blipFill>
+        <p:spPr>
+          <a:xfrm>
+            <a:off x="6743298" y="1713298"/>
+            <a:ext cx="2695074" cy="2695074"/>
+          </a:xfrm>
+          <a:prstGeom prst="rect">
+            <a:avLst/>
+          </a:prstGeom>
+        </p:spPr>
+      </p:pic>
       <p:sp>
         <p:nvSpPr>
           <p:cNvPr id="2" name="Slide Number Placeholder 1">
             <a:extLst>
               <a:ext uri="{FF2B5EF4-FFF2-40B4-BE49-F238E27FC236}">
-                <a16:creationId xmlns:a16="http://schemas.microsoft.com/office/drawing/2014/main" id="{64B11754-1F20-5735-E4C4-843574856961}"/>
+                <a16:creationId xmlns:a16="http://schemas.microsoft.com/office/drawing/2014/main" id="{4C2CA5BD-BD53-4F91-58BA-5D07462665E5}"/>
               </a:ext>
             </a:extLst>
           </p:cNvPr>
@@ -8635,7 +8667,7 @@
           <p:cNvPr id="3" name="Date Placeholder 2">
             <a:extLst>
               <a:ext uri="{FF2B5EF4-FFF2-40B4-BE49-F238E27FC236}">
-                <a16:creationId xmlns:a16="http://schemas.microsoft.com/office/drawing/2014/main" id="{ED0D658C-E887-A6C4-6B72-2F4AD28C9F43}"/>
+                <a16:creationId xmlns:a16="http://schemas.microsoft.com/office/drawing/2014/main" id="{07CD40D6-83A6-8797-F381-15DCF88114DF}"/>
               </a:ext>
             </a:extLst>
           </p:cNvPr>
@@ -8721,82 +8753,10 @@
       </p:sp>
       <p:sp>
         <p:nvSpPr>
-          <p:cNvPr id="4" name="Footer Placeholder 3">
+          <p:cNvPr id="11" name="TextBox 10">
             <a:extLst>
               <a:ext uri="{FF2B5EF4-FFF2-40B4-BE49-F238E27FC236}">
-                <a16:creationId xmlns:a16="http://schemas.microsoft.com/office/drawing/2014/main" id="{F8DAB637-3C6B-4E1C-AF06-0FE6857F7BA0}"/>
-              </a:ext>
-            </a:extLst>
-          </p:cNvPr>
-          <p:cNvSpPr>
-            <a:spLocks noGrp="1"/>
-          </p:cNvSpPr>
-          <p:nvPr>
-            <p:ph type="ftr" sz="quarter" idx="13"/>
-          </p:nvPr>
-        </p:nvSpPr>
-        <p:spPr/>
-        <p:txBody>
-          <a:bodyPr/>
-          <a:lstStyle/>
-          <a:p>
-            <a:pPr marL="0" marR="0" lvl="0" indent="0" algn="r" defTabSz="914400" rtl="0" eaLnBrk="1" fontAlgn="auto" latinLnBrk="0" hangingPunct="1">
-              <a:lnSpc>
-                <a:spcPct val="100000"/>
-              </a:lnSpc>
-              <a:spcBef>
-                <a:spcPts val="0"/>
-              </a:spcBef>
-              <a:spcAft>
-                <a:spcPts val="0"/>
-              </a:spcAft>
-              <a:buClrTx/>
-              <a:buSzTx/>
-              <a:buFontTx/>
-              <a:buNone/>
-              <a:tabLst/>
-              <a:defRPr/>
-            </a:pPr>
-            <a:r>
-              <a:rPr kumimoji="0" lang="da-DK" sz="700" b="1" i="0" u="none" strike="noStrike" kern="1200" cap="none" spc="0" normalizeH="0" baseline="0" noProof="0">
-                <a:ln>
-                  <a:noFill/>
-                </a:ln>
-                <a:solidFill>
-                  <a:srgbClr val="FFFFFF"/>
-                </a:solidFill>
-                <a:effectLst/>
-                <a:uLnTx/>
-                <a:uFillTx/>
-                <a:latin typeface="Arial"/>
-                <a:ea typeface="+mn-ea"/>
-                <a:cs typeface="+mn-cs"/>
-              </a:rPr>
-              <a:t>Simiam Ghan | sangh@dtu.dk</a:t>
-            </a:r>
-            <a:endParaRPr kumimoji="0" lang="da-DK" sz="700" b="1" i="0" u="none" strike="noStrike" kern="1200" cap="none" spc="0" normalizeH="0" baseline="0" noProof="0" dirty="0">
-              <a:ln>
-                <a:noFill/>
-              </a:ln>
-              <a:solidFill>
-                <a:srgbClr val="FFFFFF"/>
-              </a:solidFill>
-              <a:effectLst/>
-              <a:uLnTx/>
-              <a:uFillTx/>
-              <a:latin typeface="Arial"/>
-              <a:ea typeface="+mn-ea"/>
-              <a:cs typeface="+mn-cs"/>
-            </a:endParaRPr>
-          </a:p>
-        </p:txBody>
-      </p:sp>
-      <p:sp>
-        <p:nvSpPr>
-          <p:cNvPr id="5" name="TextBox 4">
-            <a:extLst>
-              <a:ext uri="{FF2B5EF4-FFF2-40B4-BE49-F238E27FC236}">
-                <a16:creationId xmlns:a16="http://schemas.microsoft.com/office/drawing/2014/main" id="{52D343AA-3162-1E11-F1BE-0BD8A035E8A1}"/>
+                <a16:creationId xmlns:a16="http://schemas.microsoft.com/office/drawing/2014/main" id="{CEC7CCA4-BA71-EC72-D005-D6D6ABA57B83}"/>
               </a:ext>
             </a:extLst>
           </p:cNvPr>
@@ -8805,8 +8765,8 @@
         </p:nvSpPr>
         <p:spPr>
           <a:xfrm>
-            <a:off x="1013012" y="663389"/>
-            <a:ext cx="3693319" cy="276999"/>
+            <a:off x="1084729" y="475129"/>
+            <a:ext cx="859210" cy="276999"/>
           </a:xfrm>
           <a:prstGeom prst="rect">
             <a:avLst/>
@@ -8851,2580 +8811,7 @@
                 <a:ea typeface="+mn-ea"/>
                 <a:cs typeface="+mn-cs"/>
               </a:rPr>
-              <a:t>Htop vs Hfcc as descriptors for HER</a:t>
-            </a:r>
-          </a:p>
-        </p:txBody>
-      </p:sp>
-      <p:pic>
-        <p:nvPicPr>
-          <p:cNvPr id="18" name="Picture 17" descr="A diagram of a graph&#10;&#10;AI-generated content may be incorrect.">
-            <a:extLst>
-              <a:ext uri="{FF2B5EF4-FFF2-40B4-BE49-F238E27FC236}">
-                <a16:creationId xmlns:a16="http://schemas.microsoft.com/office/drawing/2014/main" id="{3C427761-045E-042B-C33B-421DE8DBE616}"/>
-              </a:ext>
-            </a:extLst>
-          </p:cNvPr>
-          <p:cNvPicPr>
-            <a:picLocks noChangeAspect="1"/>
-          </p:cNvPicPr>
-          <p:nvPr/>
-        </p:nvPicPr>
-        <p:blipFill>
-          <a:blip r:embed="rId2"/>
-          <a:stretch>
-            <a:fillRect/>
-          </a:stretch>
-        </p:blipFill>
-        <p:spPr>
-          <a:xfrm>
-            <a:off x="250552" y="1954305"/>
-            <a:ext cx="3407048" cy="3235623"/>
-          </a:xfrm>
-          <a:prstGeom prst="rect">
-            <a:avLst/>
-          </a:prstGeom>
-        </p:spPr>
-      </p:pic>
-      <p:sp>
-        <p:nvSpPr>
-          <p:cNvPr id="19" name="TextBox 18">
-            <a:extLst>
-              <a:ext uri="{FF2B5EF4-FFF2-40B4-BE49-F238E27FC236}">
-                <a16:creationId xmlns:a16="http://schemas.microsoft.com/office/drawing/2014/main" id="{466B2AA6-E67B-3422-6F5C-CCE09EB3C766}"/>
-              </a:ext>
-            </a:extLst>
-          </p:cNvPr>
-          <p:cNvSpPr txBox="1"/>
-          <p:nvPr/>
-        </p:nvSpPr>
-        <p:spPr>
-          <a:xfrm>
-            <a:off x="914400" y="1317813"/>
-            <a:ext cx="3419013" cy="184666"/>
-          </a:xfrm>
-          <a:prstGeom prst="rect">
-            <a:avLst/>
-          </a:prstGeom>
-          <a:noFill/>
-        </p:spPr>
-        <p:txBody>
-          <a:bodyPr wrap="none" lIns="0" tIns="0" rIns="0" bIns="0" rtlCol="0">
-            <a:spAutoFit/>
-          </a:bodyPr>
-          <a:lstStyle/>
-          <a:p>
-            <a:pPr marL="0" marR="0" lvl="0" indent="0" algn="l" defTabSz="914400" rtl="0" eaLnBrk="1" fontAlgn="auto" latinLnBrk="0" hangingPunct="1">
-              <a:lnSpc>
-                <a:spcPct val="100000"/>
-              </a:lnSpc>
-              <a:spcBef>
-                <a:spcPts val="432"/>
-              </a:spcBef>
-              <a:spcAft>
-                <a:spcPts val="0"/>
-              </a:spcAft>
-              <a:buClrTx/>
-              <a:buSzTx/>
-              <a:buFontTx/>
-              <a:buNone/>
-              <a:tabLst/>
-              <a:defRPr/>
-            </a:pPr>
-            <a:r>
-              <a:rPr kumimoji="0" lang="en-GB" sz="1200" b="0" i="0" u="none" strike="noStrike" kern="1200" cap="none" spc="0" normalizeH="0" baseline="0" noProof="0" dirty="0">
-                <a:ln>
-                  <a:noFill/>
-                </a:ln>
-                <a:solidFill>
-                  <a:srgbClr val="000000"/>
-                </a:solidFill>
-                <a:effectLst/>
-                <a:uLnTx/>
-                <a:uFillTx/>
-                <a:latin typeface="Arial"/>
-                <a:ea typeface="+mn-ea"/>
-                <a:cs typeface="+mn-cs"/>
-              </a:rPr>
-              <a:t>V</a:t>
-            </a:r>
-            <a:r>
-              <a:rPr kumimoji="0" lang="en-DK" sz="1200" b="0" i="0" u="none" strike="noStrike" kern="1200" cap="none" spc="0" normalizeH="0" baseline="0" noProof="0" dirty="0">
-                <a:ln>
-                  <a:noFill/>
-                </a:ln>
-                <a:solidFill>
-                  <a:srgbClr val="000000"/>
-                </a:solidFill>
-                <a:effectLst/>
-                <a:uLnTx/>
-                <a:uFillTx/>
-                <a:latin typeface="Arial"/>
-                <a:ea typeface="+mn-ea"/>
-                <a:cs typeface="+mn-cs"/>
-              </a:rPr>
-              <a:t>acuum calculations, relaxed, BEEF-vdW (Dipam)</a:t>
-            </a:r>
-          </a:p>
-        </p:txBody>
-      </p:sp>
-      <p:sp>
-        <p:nvSpPr>
-          <p:cNvPr id="20" name="TextBox 19">
-            <a:extLst>
-              <a:ext uri="{FF2B5EF4-FFF2-40B4-BE49-F238E27FC236}">
-                <a16:creationId xmlns:a16="http://schemas.microsoft.com/office/drawing/2014/main" id="{88CEC670-8A2A-C045-2852-9AC030B443D6}"/>
-              </a:ext>
-            </a:extLst>
-          </p:cNvPr>
-          <p:cNvSpPr txBox="1"/>
-          <p:nvPr/>
-        </p:nvSpPr>
-        <p:spPr>
-          <a:xfrm>
-            <a:off x="10309412" y="358588"/>
-            <a:ext cx="1025922" cy="276999"/>
-          </a:xfrm>
-          <a:prstGeom prst="rect">
-            <a:avLst/>
-          </a:prstGeom>
-          <a:noFill/>
-        </p:spPr>
-        <p:txBody>
-          <a:bodyPr wrap="none" lIns="0" tIns="0" rIns="0" bIns="0" rtlCol="0">
-            <a:spAutoFit/>
-          </a:bodyPr>
-          <a:lstStyle/>
-          <a:p>
-            <a:pPr marL="0" marR="0" lvl="0" indent="0" algn="l" defTabSz="914400" rtl="0" eaLnBrk="1" fontAlgn="auto" latinLnBrk="0" hangingPunct="1">
-              <a:lnSpc>
-                <a:spcPct val="100000"/>
-              </a:lnSpc>
-              <a:spcBef>
-                <a:spcPts val="432"/>
-              </a:spcBef>
-              <a:spcAft>
-                <a:spcPts val="0"/>
-              </a:spcAft>
-              <a:buClrTx/>
-              <a:buSzTx/>
-              <a:buFontTx/>
-              <a:buNone/>
-              <a:tabLst/>
-              <a:defRPr/>
-            </a:pPr>
-            <a:r>
-              <a:rPr kumimoji="0" lang="en-DK" sz="1800" b="0" i="0" u="none" strike="noStrike" kern="1200" cap="none" spc="0" normalizeH="0" baseline="0" noProof="0" dirty="0">
-                <a:ln>
-                  <a:noFill/>
-                </a:ln>
-                <a:solidFill>
-                  <a:srgbClr val="000000"/>
-                </a:solidFill>
-                <a:effectLst/>
-                <a:uLnTx/>
-                <a:uFillTx/>
-                <a:latin typeface="Arial"/>
-                <a:ea typeface="+mn-ea"/>
-                <a:cs typeface="+mn-cs"/>
-              </a:rPr>
-              <a:t>26.6.2025</a:t>
-            </a:r>
-          </a:p>
-        </p:txBody>
-      </p:sp>
-      <p:pic>
-        <p:nvPicPr>
-          <p:cNvPr id="24" name="Picture 23" descr="A diagram of a graph&#10;&#10;AI-generated content may be incorrect.">
-            <a:extLst>
-              <a:ext uri="{FF2B5EF4-FFF2-40B4-BE49-F238E27FC236}">
-                <a16:creationId xmlns:a16="http://schemas.microsoft.com/office/drawing/2014/main" id="{BAF83C12-CED3-CBD7-9A10-134A2E607855}"/>
-              </a:ext>
-            </a:extLst>
-          </p:cNvPr>
-          <p:cNvPicPr>
-            <a:picLocks noChangeAspect="1"/>
-          </p:cNvPicPr>
-          <p:nvPr/>
-        </p:nvPicPr>
-        <p:blipFill>
-          <a:blip r:embed="rId3"/>
-          <a:stretch>
-            <a:fillRect/>
-          </a:stretch>
-        </p:blipFill>
-        <p:spPr>
-          <a:xfrm>
-            <a:off x="3755872" y="1923412"/>
-            <a:ext cx="3478646" cy="3285081"/>
-          </a:xfrm>
-          <a:prstGeom prst="rect">
-            <a:avLst/>
-          </a:prstGeom>
-        </p:spPr>
-      </p:pic>
-      <p:pic>
-        <p:nvPicPr>
-          <p:cNvPr id="26" name="Picture 25" descr="A diagram of a graph&#10;&#10;AI-generated content may be incorrect.">
-            <a:extLst>
-              <a:ext uri="{FF2B5EF4-FFF2-40B4-BE49-F238E27FC236}">
-                <a16:creationId xmlns:a16="http://schemas.microsoft.com/office/drawing/2014/main" id="{CA847876-A51E-31D4-3221-1AF35AAD549A}"/>
-              </a:ext>
-            </a:extLst>
-          </p:cNvPr>
-          <p:cNvPicPr>
-            <a:picLocks noChangeAspect="1"/>
-          </p:cNvPicPr>
-          <p:nvPr/>
-        </p:nvPicPr>
-        <p:blipFill>
-          <a:blip r:embed="rId4"/>
-          <a:stretch>
-            <a:fillRect/>
-          </a:stretch>
-        </p:blipFill>
-        <p:spPr>
-          <a:xfrm>
-            <a:off x="7420424" y="1950435"/>
-            <a:ext cx="3525482" cy="3491142"/>
-          </a:xfrm>
-          <a:prstGeom prst="rect">
-            <a:avLst/>
-          </a:prstGeom>
-        </p:spPr>
-      </p:pic>
-      <p:pic>
-        <p:nvPicPr>
-          <p:cNvPr id="28" name="Picture 27" descr="A drawing of a square with circles and lines&#10;&#10;AI-generated content may be incorrect.">
-            <a:extLst>
-              <a:ext uri="{FF2B5EF4-FFF2-40B4-BE49-F238E27FC236}">
-                <a16:creationId xmlns:a16="http://schemas.microsoft.com/office/drawing/2014/main" id="{D70B2363-6458-6881-3B23-0D6430EFA000}"/>
-              </a:ext>
-            </a:extLst>
-          </p:cNvPr>
-          <p:cNvPicPr>
-            <a:picLocks noChangeAspect="1"/>
-          </p:cNvPicPr>
-          <p:nvPr/>
-        </p:nvPicPr>
-        <p:blipFill>
-          <a:blip r:embed="rId5"/>
-          <a:stretch>
-            <a:fillRect/>
-          </a:stretch>
-        </p:blipFill>
-        <p:spPr>
-          <a:xfrm>
-            <a:off x="4909298" y="271286"/>
-            <a:ext cx="1177738" cy="1193696"/>
-          </a:xfrm>
-          <a:prstGeom prst="rect">
-            <a:avLst/>
-          </a:prstGeom>
-        </p:spPr>
-      </p:pic>
-      <p:pic>
-        <p:nvPicPr>
-          <p:cNvPr id="30" name="Picture 29" descr="A stack of brown circles&#10;&#10;AI-generated content may be incorrect.">
-            <a:extLst>
-              <a:ext uri="{FF2B5EF4-FFF2-40B4-BE49-F238E27FC236}">
-                <a16:creationId xmlns:a16="http://schemas.microsoft.com/office/drawing/2014/main" id="{5E5C7571-D87E-D2E0-161B-C1BC9A5B7FC4}"/>
-              </a:ext>
-            </a:extLst>
-          </p:cNvPr>
-          <p:cNvPicPr>
-            <a:picLocks noChangeAspect="1"/>
-          </p:cNvPicPr>
-          <p:nvPr/>
-        </p:nvPicPr>
-        <p:blipFill>
-          <a:blip r:embed="rId6"/>
-          <a:stretch>
-            <a:fillRect/>
-          </a:stretch>
-        </p:blipFill>
-        <p:spPr>
-          <a:xfrm>
-            <a:off x="6049525" y="349624"/>
-            <a:ext cx="1383592" cy="1060290"/>
-          </a:xfrm>
-          <a:prstGeom prst="rect">
-            <a:avLst/>
-          </a:prstGeom>
-        </p:spPr>
-      </p:pic>
-      <p:sp>
-        <p:nvSpPr>
-          <p:cNvPr id="33" name="TextBox 32">
-            <a:extLst>
-              <a:ext uri="{FF2B5EF4-FFF2-40B4-BE49-F238E27FC236}">
-                <a16:creationId xmlns:a16="http://schemas.microsoft.com/office/drawing/2014/main" id="{014C95B7-2775-C3CF-FE7B-86E4E4A31AC9}"/>
-              </a:ext>
-            </a:extLst>
-          </p:cNvPr>
-          <p:cNvSpPr txBox="1"/>
-          <p:nvPr/>
-        </p:nvSpPr>
-        <p:spPr>
-          <a:xfrm>
-            <a:off x="5038165" y="1506070"/>
-            <a:ext cx="1907573" cy="169277"/>
-          </a:xfrm>
-          <a:prstGeom prst="rect">
-            <a:avLst/>
-          </a:prstGeom>
-          <a:noFill/>
-        </p:spPr>
-        <p:txBody>
-          <a:bodyPr wrap="none" lIns="0" tIns="0" rIns="0" bIns="0" rtlCol="0">
-            <a:spAutoFit/>
-          </a:bodyPr>
-          <a:lstStyle/>
-          <a:p>
-            <a:pPr marL="0" marR="0" lvl="0" indent="0" algn="l" defTabSz="914400" rtl="0" eaLnBrk="1" fontAlgn="auto" latinLnBrk="0" hangingPunct="1">
-              <a:lnSpc>
-                <a:spcPct val="100000"/>
-              </a:lnSpc>
-              <a:spcBef>
-                <a:spcPts val="432"/>
-              </a:spcBef>
-              <a:spcAft>
-                <a:spcPts val="0"/>
-              </a:spcAft>
-              <a:buClrTx/>
-              <a:buSzTx/>
-              <a:buFontTx/>
-              <a:buNone/>
-              <a:tabLst/>
-              <a:defRPr/>
-            </a:pPr>
-            <a:r>
-              <a:rPr kumimoji="0" lang="en-DK" sz="1100" b="0" i="0" u="none" strike="noStrike" kern="1200" cap="none" spc="0" normalizeH="0" baseline="0" noProof="0" dirty="0">
-                <a:ln>
-                  <a:noFill/>
-                </a:ln>
-                <a:solidFill>
-                  <a:srgbClr val="000000"/>
-                </a:solidFill>
-                <a:effectLst/>
-                <a:uLnTx/>
-                <a:uFillTx/>
-                <a:latin typeface="Arial"/>
-                <a:ea typeface="+mn-ea"/>
-                <a:cs typeface="+mn-cs"/>
-              </a:rPr>
-              <a:t>Cu(111) Htop z=1.54A relaxed</a:t>
-            </a:r>
-          </a:p>
-        </p:txBody>
-      </p:sp>
-      <p:pic>
-        <p:nvPicPr>
-          <p:cNvPr id="35" name="Picture 34" descr="A brown circle pattern with black lines&#10;&#10;AI-generated content may be incorrect.">
-            <a:extLst>
-              <a:ext uri="{FF2B5EF4-FFF2-40B4-BE49-F238E27FC236}">
-                <a16:creationId xmlns:a16="http://schemas.microsoft.com/office/drawing/2014/main" id="{08864ED7-6D42-D3E1-6645-CEA826AF273D}"/>
-              </a:ext>
-            </a:extLst>
-          </p:cNvPr>
-          <p:cNvPicPr>
-            <a:picLocks noChangeAspect="1"/>
-          </p:cNvPicPr>
-          <p:nvPr/>
-        </p:nvPicPr>
-        <p:blipFill>
-          <a:blip r:embed="rId7"/>
-          <a:stretch>
-            <a:fillRect/>
-          </a:stretch>
-        </p:blipFill>
-        <p:spPr>
-          <a:xfrm>
-            <a:off x="7822826" y="220957"/>
-            <a:ext cx="1043268" cy="1155155"/>
-          </a:xfrm>
-          <a:prstGeom prst="rect">
-            <a:avLst/>
-          </a:prstGeom>
-        </p:spPr>
-      </p:pic>
-      <p:sp>
-        <p:nvSpPr>
-          <p:cNvPr id="38" name="TextBox 37">
-            <a:extLst>
-              <a:ext uri="{FF2B5EF4-FFF2-40B4-BE49-F238E27FC236}">
-                <a16:creationId xmlns:a16="http://schemas.microsoft.com/office/drawing/2014/main" id="{F95B6B72-90DA-1819-C7A5-EC16F2D51DDB}"/>
-              </a:ext>
-            </a:extLst>
-          </p:cNvPr>
-          <p:cNvSpPr txBox="1"/>
-          <p:nvPr/>
-        </p:nvSpPr>
-        <p:spPr>
-          <a:xfrm>
-            <a:off x="7772401" y="1515035"/>
-            <a:ext cx="2638543" cy="169277"/>
-          </a:xfrm>
-          <a:prstGeom prst="rect">
-            <a:avLst/>
-          </a:prstGeom>
-          <a:noFill/>
-        </p:spPr>
-        <p:txBody>
-          <a:bodyPr wrap="none" lIns="0" tIns="0" rIns="0" bIns="0" rtlCol="0">
-            <a:spAutoFit/>
-          </a:bodyPr>
-          <a:lstStyle/>
-          <a:p>
-            <a:pPr marL="0" marR="0" lvl="0" indent="0" algn="l" defTabSz="914400" rtl="0" eaLnBrk="1" fontAlgn="auto" latinLnBrk="0" hangingPunct="1">
-              <a:lnSpc>
-                <a:spcPct val="100000"/>
-              </a:lnSpc>
-              <a:spcBef>
-                <a:spcPts val="432"/>
-              </a:spcBef>
-              <a:spcAft>
-                <a:spcPts val="0"/>
-              </a:spcAft>
-              <a:buClrTx/>
-              <a:buSzTx/>
-              <a:buFontTx/>
-              <a:buNone/>
-              <a:tabLst/>
-              <a:defRPr/>
-            </a:pPr>
-            <a:r>
-              <a:rPr kumimoji="0" lang="en-DK" sz="1100" b="0" i="0" u="none" strike="noStrike" kern="1200" cap="none" spc="0" normalizeH="0" baseline="0" noProof="0" dirty="0">
-                <a:ln>
-                  <a:noFill/>
-                </a:ln>
-                <a:solidFill>
-                  <a:srgbClr val="000000"/>
-                </a:solidFill>
-                <a:effectLst/>
-                <a:uLnTx/>
-                <a:uFillTx/>
-                <a:latin typeface="Arial"/>
-                <a:ea typeface="+mn-ea"/>
-                <a:cs typeface="+mn-cs"/>
-              </a:rPr>
-              <a:t>Cu(111) Hfcc z=0.9A relaxed, dHM=1.77A</a:t>
-            </a:r>
-          </a:p>
-        </p:txBody>
-      </p:sp>
-      <p:pic>
-        <p:nvPicPr>
-          <p:cNvPr id="40" name="Picture 39" descr="A stack of brown circles&#10;&#10;AI-generated content may be incorrect.">
-            <a:extLst>
-              <a:ext uri="{FF2B5EF4-FFF2-40B4-BE49-F238E27FC236}">
-                <a16:creationId xmlns:a16="http://schemas.microsoft.com/office/drawing/2014/main" id="{6F9F07BA-BAFA-1185-BA7B-C57EBA5CEC7F}"/>
-              </a:ext>
-            </a:extLst>
-          </p:cNvPr>
-          <p:cNvPicPr>
-            <a:picLocks noChangeAspect="1"/>
-          </p:cNvPicPr>
-          <p:nvPr/>
-        </p:nvPicPr>
-        <p:blipFill>
-          <a:blip r:embed="rId8"/>
-          <a:stretch>
-            <a:fillRect/>
-          </a:stretch>
-        </p:blipFill>
-        <p:spPr>
-          <a:xfrm>
-            <a:off x="9068173" y="483207"/>
-            <a:ext cx="990226" cy="804722"/>
-          </a:xfrm>
-          <a:prstGeom prst="rect">
-            <a:avLst/>
-          </a:prstGeom>
-        </p:spPr>
-      </p:pic>
-    </p:spTree>
-    <p:extLst>
-      <p:ext uri="{BB962C8B-B14F-4D97-AF65-F5344CB8AC3E}">
-        <p14:creationId xmlns:p14="http://schemas.microsoft.com/office/powerpoint/2010/main" val="1186866962"/>
-      </p:ext>
-    </p:extLst>
-  </p:cSld>
-  <p:clrMapOvr>
-    <a:masterClrMapping/>
-  </p:clrMapOvr>
-</p:sld>
-</file>
-
-<file path=ppt/slides/slide2.xml><?xml version="1.0" encoding="utf-8"?>
-<p:sld xmlns:a="http://schemas.openxmlformats.org/drawingml/2006/main" xmlns:r="http://schemas.openxmlformats.org/officeDocument/2006/relationships" xmlns:p="http://schemas.openxmlformats.org/presentationml/2006/main">
-  <p:cSld>
-    <p:spTree>
-      <p:nvGrpSpPr>
-        <p:cNvPr id="1" name=""/>
-        <p:cNvGrpSpPr/>
-        <p:nvPr/>
-      </p:nvGrpSpPr>
-      <p:grpSpPr>
-        <a:xfrm>
-          <a:off x="0" y="0"/>
-          <a:ext cx="0" cy="0"/>
-          <a:chOff x="0" y="0"/>
-          <a:chExt cx="0" cy="0"/>
-        </a:xfrm>
-      </p:grpSpPr>
-      <p:sp>
-        <p:nvSpPr>
-          <p:cNvPr id="2" name="Slide Number Placeholder 1">
-            <a:extLst>
-              <a:ext uri="{FF2B5EF4-FFF2-40B4-BE49-F238E27FC236}">
-                <a16:creationId xmlns:a16="http://schemas.microsoft.com/office/drawing/2014/main" id="{F0D70DC5-746A-F8D6-12AF-1F0F203B623C}"/>
-              </a:ext>
-            </a:extLst>
-          </p:cNvPr>
-          <p:cNvSpPr>
-            <a:spLocks noGrp="1"/>
-          </p:cNvSpPr>
-          <p:nvPr>
-            <p:ph type="sldNum" sz="quarter" idx="11"/>
-          </p:nvPr>
-        </p:nvSpPr>
-        <p:spPr/>
-        <p:txBody>
-          <a:bodyPr/>
-          <a:lstStyle/>
-          <a:p>
-            <a:pPr marL="0" marR="0" lvl="0" indent="0" algn="l" defTabSz="914400" rtl="0" eaLnBrk="1" fontAlgn="auto" latinLnBrk="0" hangingPunct="1">
-              <a:lnSpc>
-                <a:spcPct val="100000"/>
-              </a:lnSpc>
-              <a:spcBef>
-                <a:spcPts val="0"/>
-              </a:spcBef>
-              <a:spcAft>
-                <a:spcPts val="0"/>
-              </a:spcAft>
-              <a:buClrTx/>
-              <a:buSzTx/>
-              <a:buFontTx/>
-              <a:buNone/>
-              <a:tabLst/>
-              <a:defRPr/>
-            </a:pPr>
-            <a:fld id="{103EA872-A674-449B-A120-B97244F8E91D}" type="slidenum">
-              <a:rPr kumimoji="0" lang="en-GB" sz="700" b="1" i="0" u="none" strike="noStrike" kern="1200" cap="none" spc="0" normalizeH="0" baseline="0" noProof="0" smtClean="0">
-                <a:ln>
-                  <a:noFill/>
-                </a:ln>
-                <a:solidFill>
-                  <a:srgbClr val="FFFFFF"/>
-                </a:solidFill>
-                <a:effectLst/>
-                <a:uLnTx/>
-                <a:uFillTx/>
-                <a:latin typeface="Arial"/>
-                <a:ea typeface="+mn-ea"/>
-                <a:cs typeface="+mn-cs"/>
-              </a:rPr>
-              <a:pPr marL="0" marR="0" lvl="0" indent="0" algn="l" defTabSz="914400" rtl="0" eaLnBrk="1" fontAlgn="auto" latinLnBrk="0" hangingPunct="1">
-                <a:lnSpc>
-                  <a:spcPct val="100000"/>
-                </a:lnSpc>
-                <a:spcBef>
-                  <a:spcPts val="0"/>
-                </a:spcBef>
-                <a:spcAft>
-                  <a:spcPts val="0"/>
-                </a:spcAft>
-                <a:buClrTx/>
-                <a:buSzTx/>
-                <a:buFontTx/>
-                <a:buNone/>
-                <a:tabLst/>
-                <a:defRPr/>
-              </a:pPr>
-              <a:t>2</a:t>
-            </a:fld>
-            <a:endParaRPr kumimoji="0" lang="en-GB" sz="700" b="1" i="0" u="none" strike="noStrike" kern="1200" cap="none" spc="0" normalizeH="0" baseline="0" noProof="0" dirty="0">
-              <a:ln>
-                <a:noFill/>
-              </a:ln>
-              <a:solidFill>
-                <a:srgbClr val="FFFFFF"/>
-              </a:solidFill>
-              <a:effectLst/>
-              <a:uLnTx/>
-              <a:uFillTx/>
-              <a:latin typeface="Arial"/>
-              <a:ea typeface="+mn-ea"/>
-              <a:cs typeface="+mn-cs"/>
-            </a:endParaRPr>
-          </a:p>
-        </p:txBody>
-      </p:sp>
-      <p:sp>
-        <p:nvSpPr>
-          <p:cNvPr id="3" name="Date Placeholder 2">
-            <a:extLst>
-              <a:ext uri="{FF2B5EF4-FFF2-40B4-BE49-F238E27FC236}">
-                <a16:creationId xmlns:a16="http://schemas.microsoft.com/office/drawing/2014/main" id="{1B35A28B-AAA1-2BAA-7EDB-93F9A9FCB8F1}"/>
-              </a:ext>
-            </a:extLst>
-          </p:cNvPr>
-          <p:cNvSpPr>
-            <a:spLocks noGrp="1"/>
-          </p:cNvSpPr>
-          <p:nvPr>
-            <p:ph type="dt" sz="half" idx="12"/>
-          </p:nvPr>
-        </p:nvSpPr>
-        <p:spPr/>
-        <p:txBody>
-          <a:bodyPr/>
-          <a:lstStyle/>
-          <a:p>
-            <a:pPr marL="0" marR="0" lvl="0" indent="0" algn="r" defTabSz="914400" rtl="0" eaLnBrk="1" fontAlgn="auto" latinLnBrk="0" hangingPunct="1">
-              <a:lnSpc>
-                <a:spcPct val="100000"/>
-              </a:lnSpc>
-              <a:spcBef>
-                <a:spcPts val="0"/>
-              </a:spcBef>
-              <a:spcAft>
-                <a:spcPts val="0"/>
-              </a:spcAft>
-              <a:buClrTx/>
-              <a:buSzTx/>
-              <a:buFontTx/>
-              <a:buNone/>
-              <a:tabLst/>
-              <a:defRPr/>
-            </a:pPr>
-            <a:fld id="{9A1051F6-884E-4D46-AD5F-8A730B377BAA}" type="datetime1">
-              <a:rPr kumimoji="0" lang="da-DK" sz="700" b="1" i="0" u="none" strike="noStrike" kern="1200" cap="none" spc="0" normalizeH="0" baseline="0" noProof="0" smtClean="0">
-                <a:ln>
-                  <a:noFill/>
-                </a:ln>
-                <a:solidFill>
-                  <a:srgbClr val="FFFFFF"/>
-                </a:solidFill>
-                <a:effectLst/>
-                <a:uLnTx/>
-                <a:uFillTx/>
-                <a:latin typeface="Arial"/>
-                <a:ea typeface="+mn-ea"/>
-                <a:cs typeface="+mn-cs"/>
-              </a:rPr>
-              <a:pPr marL="0" marR="0" lvl="0" indent="0" algn="r" defTabSz="914400" rtl="0" eaLnBrk="1" fontAlgn="auto" latinLnBrk="0" hangingPunct="1">
-                <a:lnSpc>
-                  <a:spcPct val="100000"/>
-                </a:lnSpc>
-                <a:spcBef>
-                  <a:spcPts val="0"/>
-                </a:spcBef>
-                <a:spcAft>
-                  <a:spcPts val="0"/>
-                </a:spcAft>
-                <a:buClrTx/>
-                <a:buSzTx/>
-                <a:buFontTx/>
-                <a:buNone/>
-                <a:tabLst/>
-                <a:defRPr/>
-              </a:pPr>
-              <a:t>26.06.2025</a:t>
-            </a:fld>
-            <a:endParaRPr kumimoji="0" lang="en-GB" sz="700" b="1" i="0" u="none" strike="noStrike" kern="1200" cap="none" spc="0" normalizeH="0" baseline="0" noProof="0">
-              <a:ln>
-                <a:noFill/>
-              </a:ln>
-              <a:solidFill>
-                <a:srgbClr val="FFFFFF"/>
-              </a:solidFill>
-              <a:effectLst/>
-              <a:uLnTx/>
-              <a:uFillTx/>
-              <a:latin typeface="Arial"/>
-              <a:ea typeface="+mn-ea"/>
-              <a:cs typeface="+mn-cs"/>
-            </a:endParaRPr>
-          </a:p>
-        </p:txBody>
-      </p:sp>
-      <p:sp>
-        <p:nvSpPr>
-          <p:cNvPr id="4" name="Footer Placeholder 3">
-            <a:extLst>
-              <a:ext uri="{FF2B5EF4-FFF2-40B4-BE49-F238E27FC236}">
-                <a16:creationId xmlns:a16="http://schemas.microsoft.com/office/drawing/2014/main" id="{37106438-450C-84B9-6B66-B1BC53BE0F15}"/>
-              </a:ext>
-            </a:extLst>
-          </p:cNvPr>
-          <p:cNvSpPr>
-            <a:spLocks noGrp="1"/>
-          </p:cNvSpPr>
-          <p:nvPr>
-            <p:ph type="ftr" sz="quarter" idx="13"/>
-          </p:nvPr>
-        </p:nvSpPr>
-        <p:spPr/>
-        <p:txBody>
-          <a:bodyPr/>
-          <a:lstStyle/>
-          <a:p>
-            <a:pPr marL="0" marR="0" lvl="0" indent="0" algn="r" defTabSz="914400" rtl="0" eaLnBrk="1" fontAlgn="auto" latinLnBrk="0" hangingPunct="1">
-              <a:lnSpc>
-                <a:spcPct val="100000"/>
-              </a:lnSpc>
-              <a:spcBef>
-                <a:spcPts val="0"/>
-              </a:spcBef>
-              <a:spcAft>
-                <a:spcPts val="0"/>
-              </a:spcAft>
-              <a:buClrTx/>
-              <a:buSzTx/>
-              <a:buFontTx/>
-              <a:buNone/>
-              <a:tabLst/>
-              <a:defRPr/>
-            </a:pPr>
-            <a:r>
-              <a:rPr kumimoji="0" lang="da-DK" sz="700" b="1" i="0" u="none" strike="noStrike" kern="1200" cap="none" spc="0" normalizeH="0" baseline="0" noProof="0">
-                <a:ln>
-                  <a:noFill/>
-                </a:ln>
-                <a:solidFill>
-                  <a:srgbClr val="FFFFFF"/>
-                </a:solidFill>
-                <a:effectLst/>
-                <a:uLnTx/>
-                <a:uFillTx/>
-                <a:latin typeface="Arial"/>
-                <a:ea typeface="+mn-ea"/>
-                <a:cs typeface="+mn-cs"/>
-              </a:rPr>
-              <a:t>Simiam Ghan | sangh@dtu.dk</a:t>
-            </a:r>
-            <a:endParaRPr kumimoji="0" lang="da-DK" sz="700" b="1" i="0" u="none" strike="noStrike" kern="1200" cap="none" spc="0" normalizeH="0" baseline="0" noProof="0" dirty="0">
-              <a:ln>
-                <a:noFill/>
-              </a:ln>
-              <a:solidFill>
-                <a:srgbClr val="FFFFFF"/>
-              </a:solidFill>
-              <a:effectLst/>
-              <a:uLnTx/>
-              <a:uFillTx/>
-              <a:latin typeface="Arial"/>
-              <a:ea typeface="+mn-ea"/>
-              <a:cs typeface="+mn-cs"/>
-            </a:endParaRPr>
-          </a:p>
-        </p:txBody>
-      </p:sp>
-      <p:pic>
-        <p:nvPicPr>
-          <p:cNvPr id="5" name="Picture 4" descr="A diagram of a graph&#10;&#10;AI-generated content may be incorrect.">
-            <a:extLst>
-              <a:ext uri="{FF2B5EF4-FFF2-40B4-BE49-F238E27FC236}">
-                <a16:creationId xmlns:a16="http://schemas.microsoft.com/office/drawing/2014/main" id="{CFE1FAA6-7788-C555-B8CC-8C9558027AF5}"/>
-              </a:ext>
-            </a:extLst>
-          </p:cNvPr>
-          <p:cNvPicPr>
-            <a:picLocks noChangeAspect="1"/>
-          </p:cNvPicPr>
-          <p:nvPr/>
-        </p:nvPicPr>
-        <p:blipFill>
-          <a:blip r:embed="rId2"/>
-          <a:stretch>
-            <a:fillRect/>
-          </a:stretch>
-        </p:blipFill>
-        <p:spPr>
-          <a:xfrm>
-            <a:off x="353371" y="1920245"/>
-            <a:ext cx="3700852" cy="3422720"/>
-          </a:xfrm>
-          <a:prstGeom prst="rect">
-            <a:avLst/>
-          </a:prstGeom>
-        </p:spPr>
-      </p:pic>
-      <p:pic>
-        <p:nvPicPr>
-          <p:cNvPr id="6" name="Picture 5" descr="A diagram of a graph&#10;&#10;AI-generated content may be incorrect.">
-            <a:extLst>
-              <a:ext uri="{FF2B5EF4-FFF2-40B4-BE49-F238E27FC236}">
-                <a16:creationId xmlns:a16="http://schemas.microsoft.com/office/drawing/2014/main" id="{3908D77B-2C4B-458D-C310-BC2A972F7C50}"/>
-              </a:ext>
-            </a:extLst>
-          </p:cNvPr>
-          <p:cNvPicPr>
-            <a:picLocks noChangeAspect="1"/>
-          </p:cNvPicPr>
-          <p:nvPr/>
-        </p:nvPicPr>
-        <p:blipFill>
-          <a:blip r:embed="rId3"/>
-          <a:stretch>
-            <a:fillRect/>
-          </a:stretch>
-        </p:blipFill>
-        <p:spPr>
-          <a:xfrm>
-            <a:off x="4337283" y="1971631"/>
-            <a:ext cx="3578552" cy="3422721"/>
-          </a:xfrm>
-          <a:prstGeom prst="rect">
-            <a:avLst/>
-          </a:prstGeom>
-        </p:spPr>
-      </p:pic>
-      <p:sp>
-        <p:nvSpPr>
-          <p:cNvPr id="7" name="TextBox 6">
-            <a:extLst>
-              <a:ext uri="{FF2B5EF4-FFF2-40B4-BE49-F238E27FC236}">
-                <a16:creationId xmlns:a16="http://schemas.microsoft.com/office/drawing/2014/main" id="{893F5A16-7C0C-D172-A84A-F94951253E10}"/>
-              </a:ext>
-            </a:extLst>
-          </p:cNvPr>
-          <p:cNvSpPr txBox="1"/>
-          <p:nvPr/>
-        </p:nvSpPr>
-        <p:spPr>
-          <a:xfrm>
-            <a:off x="1013012" y="663389"/>
-            <a:ext cx="3693319" cy="276999"/>
-          </a:xfrm>
-          <a:prstGeom prst="rect">
-            <a:avLst/>
-          </a:prstGeom>
-          <a:noFill/>
-        </p:spPr>
-        <p:txBody>
-          <a:bodyPr wrap="none" lIns="0" tIns="0" rIns="0" bIns="0" rtlCol="0">
-            <a:spAutoFit/>
-          </a:bodyPr>
-          <a:lstStyle/>
-          <a:p>
-            <a:pPr marL="0" marR="0" lvl="0" indent="0" algn="l" defTabSz="914400" rtl="0" eaLnBrk="1" fontAlgn="auto" latinLnBrk="0" hangingPunct="1">
-              <a:lnSpc>
-                <a:spcPct val="100000"/>
-              </a:lnSpc>
-              <a:spcBef>
-                <a:spcPts val="432"/>
-              </a:spcBef>
-              <a:spcAft>
-                <a:spcPts val="0"/>
-              </a:spcAft>
-              <a:buClrTx/>
-              <a:buSzTx/>
-              <a:buFontTx/>
-              <a:buNone/>
-              <a:tabLst/>
-              <a:defRPr/>
-            </a:pPr>
-            <a:r>
-              <a:rPr kumimoji="0" lang="en-DK" sz="1800" b="0" i="0" u="none" strike="noStrike" kern="1200" cap="none" spc="0" normalizeH="0" baseline="0" noProof="0" dirty="0">
-                <a:ln>
-                  <a:noFill/>
-                </a:ln>
-                <a:solidFill>
-                  <a:srgbClr val="000000"/>
-                </a:solidFill>
-                <a:effectLst/>
-                <a:uLnTx/>
-                <a:uFillTx/>
-                <a:latin typeface="Arial"/>
-                <a:ea typeface="+mn-ea"/>
-                <a:cs typeface="+mn-cs"/>
-              </a:rPr>
-              <a:t>Htop vs Hfcc as descriptors for HER</a:t>
-            </a:r>
-          </a:p>
-        </p:txBody>
-      </p:sp>
-      <p:pic>
-        <p:nvPicPr>
-          <p:cNvPr id="8" name="Picture 7" descr="A diagram of a graph&#10;&#10;AI-generated content may be incorrect.">
-            <a:extLst>
-              <a:ext uri="{FF2B5EF4-FFF2-40B4-BE49-F238E27FC236}">
-                <a16:creationId xmlns:a16="http://schemas.microsoft.com/office/drawing/2014/main" id="{33759CD4-5116-02C0-1C7C-79A0FDE34BB3}"/>
-              </a:ext>
-            </a:extLst>
-          </p:cNvPr>
-          <p:cNvPicPr>
-            <a:picLocks noChangeAspect="1"/>
-          </p:cNvPicPr>
-          <p:nvPr/>
-        </p:nvPicPr>
-        <p:blipFill>
-          <a:blip r:embed="rId4"/>
-          <a:stretch>
-            <a:fillRect/>
-          </a:stretch>
-        </p:blipFill>
-        <p:spPr>
-          <a:xfrm>
-            <a:off x="7958307" y="1932505"/>
-            <a:ext cx="3525482" cy="3491142"/>
-          </a:xfrm>
-          <a:prstGeom prst="rect">
-            <a:avLst/>
-          </a:prstGeom>
-        </p:spPr>
-      </p:pic>
-    </p:spTree>
-    <p:extLst>
-      <p:ext uri="{BB962C8B-B14F-4D97-AF65-F5344CB8AC3E}">
-        <p14:creationId xmlns:p14="http://schemas.microsoft.com/office/powerpoint/2010/main" val="3889596131"/>
-      </p:ext>
-    </p:extLst>
-  </p:cSld>
-  <p:clrMapOvr>
-    <a:masterClrMapping/>
-  </p:clrMapOvr>
-</p:sld>
-</file>
-
-<file path=ppt/slides/slide3.xml><?xml version="1.0" encoding="utf-8"?>
-<p:sld xmlns:a="http://schemas.openxmlformats.org/drawingml/2006/main" xmlns:r="http://schemas.openxmlformats.org/officeDocument/2006/relationships" xmlns:p="http://schemas.openxmlformats.org/presentationml/2006/main">
-  <p:cSld>
-    <p:spTree>
-      <p:nvGrpSpPr>
-        <p:cNvPr id="1" name="">
-          <a:extLst>
-            <a:ext uri="{FF2B5EF4-FFF2-40B4-BE49-F238E27FC236}">
-              <a16:creationId xmlns:a16="http://schemas.microsoft.com/office/drawing/2014/main" id="{9355D555-704B-F9EB-A45B-7EF0F451219A}"/>
-            </a:ext>
-          </a:extLst>
-        </p:cNvPr>
-        <p:cNvGrpSpPr/>
-        <p:nvPr/>
-      </p:nvGrpSpPr>
-      <p:grpSpPr>
-        <a:xfrm>
-          <a:off x="0" y="0"/>
-          <a:ext cx="0" cy="0"/>
-          <a:chOff x="0" y="0"/>
-          <a:chExt cx="0" cy="0"/>
-        </a:xfrm>
-      </p:grpSpPr>
-      <p:sp>
-        <p:nvSpPr>
-          <p:cNvPr id="2" name="Slide Number Placeholder 1">
-            <a:extLst>
-              <a:ext uri="{FF2B5EF4-FFF2-40B4-BE49-F238E27FC236}">
-                <a16:creationId xmlns:a16="http://schemas.microsoft.com/office/drawing/2014/main" id="{36A96004-7687-89F7-430E-E4B93E973683}"/>
-              </a:ext>
-            </a:extLst>
-          </p:cNvPr>
-          <p:cNvSpPr>
-            <a:spLocks noGrp="1"/>
-          </p:cNvSpPr>
-          <p:nvPr>
-            <p:ph type="sldNum" sz="quarter" idx="11"/>
-          </p:nvPr>
-        </p:nvSpPr>
-        <p:spPr/>
-        <p:txBody>
-          <a:bodyPr/>
-          <a:lstStyle/>
-          <a:p>
-            <a:pPr marL="0" marR="0" lvl="0" indent="0" algn="l" defTabSz="914400" rtl="0" eaLnBrk="1" fontAlgn="auto" latinLnBrk="0" hangingPunct="1">
-              <a:lnSpc>
-                <a:spcPct val="100000"/>
-              </a:lnSpc>
-              <a:spcBef>
-                <a:spcPts val="0"/>
-              </a:spcBef>
-              <a:spcAft>
-                <a:spcPts val="0"/>
-              </a:spcAft>
-              <a:buClrTx/>
-              <a:buSzTx/>
-              <a:buFontTx/>
-              <a:buNone/>
-              <a:tabLst/>
-              <a:defRPr/>
-            </a:pPr>
-            <a:fld id="{103EA872-A674-449B-A120-B97244F8E91D}" type="slidenum">
-              <a:rPr kumimoji="0" lang="en-GB" sz="700" b="1" i="0" u="none" strike="noStrike" kern="1200" cap="none" spc="0" normalizeH="0" baseline="0" noProof="0" smtClean="0">
-                <a:ln>
-                  <a:noFill/>
-                </a:ln>
-                <a:solidFill>
-                  <a:srgbClr val="FFFFFF"/>
-                </a:solidFill>
-                <a:effectLst/>
-                <a:uLnTx/>
-                <a:uFillTx/>
-                <a:latin typeface="Arial"/>
-                <a:ea typeface="+mn-ea"/>
-                <a:cs typeface="+mn-cs"/>
-              </a:rPr>
-              <a:pPr marL="0" marR="0" lvl="0" indent="0" algn="l" defTabSz="914400" rtl="0" eaLnBrk="1" fontAlgn="auto" latinLnBrk="0" hangingPunct="1">
-                <a:lnSpc>
-                  <a:spcPct val="100000"/>
-                </a:lnSpc>
-                <a:spcBef>
-                  <a:spcPts val="0"/>
-                </a:spcBef>
-                <a:spcAft>
-                  <a:spcPts val="0"/>
-                </a:spcAft>
-                <a:buClrTx/>
-                <a:buSzTx/>
-                <a:buFontTx/>
-                <a:buNone/>
-                <a:tabLst/>
-                <a:defRPr/>
-              </a:pPr>
-              <a:t>3</a:t>
-            </a:fld>
-            <a:endParaRPr kumimoji="0" lang="en-GB" sz="700" b="1" i="0" u="none" strike="noStrike" kern="1200" cap="none" spc="0" normalizeH="0" baseline="0" noProof="0" dirty="0">
-              <a:ln>
-                <a:noFill/>
-              </a:ln>
-              <a:solidFill>
-                <a:srgbClr val="FFFFFF"/>
-              </a:solidFill>
-              <a:effectLst/>
-              <a:uLnTx/>
-              <a:uFillTx/>
-              <a:latin typeface="Arial"/>
-              <a:ea typeface="+mn-ea"/>
-              <a:cs typeface="+mn-cs"/>
-            </a:endParaRPr>
-          </a:p>
-        </p:txBody>
-      </p:sp>
-      <p:sp>
-        <p:nvSpPr>
-          <p:cNvPr id="3" name="Date Placeholder 2">
-            <a:extLst>
-              <a:ext uri="{FF2B5EF4-FFF2-40B4-BE49-F238E27FC236}">
-                <a16:creationId xmlns:a16="http://schemas.microsoft.com/office/drawing/2014/main" id="{8FE1784C-D7F8-CA28-B405-1AD583788193}"/>
-              </a:ext>
-            </a:extLst>
-          </p:cNvPr>
-          <p:cNvSpPr>
-            <a:spLocks noGrp="1"/>
-          </p:cNvSpPr>
-          <p:nvPr>
-            <p:ph type="dt" sz="half" idx="12"/>
-          </p:nvPr>
-        </p:nvSpPr>
-        <p:spPr/>
-        <p:txBody>
-          <a:bodyPr/>
-          <a:lstStyle/>
-          <a:p>
-            <a:pPr marL="0" marR="0" lvl="0" indent="0" algn="r" defTabSz="914400" rtl="0" eaLnBrk="1" fontAlgn="auto" latinLnBrk="0" hangingPunct="1">
-              <a:lnSpc>
-                <a:spcPct val="100000"/>
-              </a:lnSpc>
-              <a:spcBef>
-                <a:spcPts val="0"/>
-              </a:spcBef>
-              <a:spcAft>
-                <a:spcPts val="0"/>
-              </a:spcAft>
-              <a:buClrTx/>
-              <a:buSzTx/>
-              <a:buFontTx/>
-              <a:buNone/>
-              <a:tabLst/>
-              <a:defRPr/>
-            </a:pPr>
-            <a:fld id="{9A1051F6-884E-4D46-AD5F-8A730B377BAA}" type="datetime1">
-              <a:rPr kumimoji="0" lang="da-DK" sz="700" b="1" i="0" u="none" strike="noStrike" kern="1200" cap="none" spc="0" normalizeH="0" baseline="0" noProof="0" smtClean="0">
-                <a:ln>
-                  <a:noFill/>
-                </a:ln>
-                <a:solidFill>
-                  <a:srgbClr val="FFFFFF"/>
-                </a:solidFill>
-                <a:effectLst/>
-                <a:uLnTx/>
-                <a:uFillTx/>
-                <a:latin typeface="Arial"/>
-                <a:ea typeface="+mn-ea"/>
-                <a:cs typeface="+mn-cs"/>
-              </a:rPr>
-              <a:pPr marL="0" marR="0" lvl="0" indent="0" algn="r" defTabSz="914400" rtl="0" eaLnBrk="1" fontAlgn="auto" latinLnBrk="0" hangingPunct="1">
-                <a:lnSpc>
-                  <a:spcPct val="100000"/>
-                </a:lnSpc>
-                <a:spcBef>
-                  <a:spcPts val="0"/>
-                </a:spcBef>
-                <a:spcAft>
-                  <a:spcPts val="0"/>
-                </a:spcAft>
-                <a:buClrTx/>
-                <a:buSzTx/>
-                <a:buFontTx/>
-                <a:buNone/>
-                <a:tabLst/>
-                <a:defRPr/>
-              </a:pPr>
-              <a:t>26.06.2025</a:t>
-            </a:fld>
-            <a:endParaRPr kumimoji="0" lang="en-GB" sz="700" b="1" i="0" u="none" strike="noStrike" kern="1200" cap="none" spc="0" normalizeH="0" baseline="0" noProof="0">
-              <a:ln>
-                <a:noFill/>
-              </a:ln>
-              <a:solidFill>
-                <a:srgbClr val="FFFFFF"/>
-              </a:solidFill>
-              <a:effectLst/>
-              <a:uLnTx/>
-              <a:uFillTx/>
-              <a:latin typeface="Arial"/>
-              <a:ea typeface="+mn-ea"/>
-              <a:cs typeface="+mn-cs"/>
-            </a:endParaRPr>
-          </a:p>
-        </p:txBody>
-      </p:sp>
-      <p:sp>
-        <p:nvSpPr>
-          <p:cNvPr id="4" name="Footer Placeholder 3">
-            <a:extLst>
-              <a:ext uri="{FF2B5EF4-FFF2-40B4-BE49-F238E27FC236}">
-                <a16:creationId xmlns:a16="http://schemas.microsoft.com/office/drawing/2014/main" id="{B4997456-3715-0A23-C6EE-8DA75D60F020}"/>
-              </a:ext>
-            </a:extLst>
-          </p:cNvPr>
-          <p:cNvSpPr>
-            <a:spLocks noGrp="1"/>
-          </p:cNvSpPr>
-          <p:nvPr>
-            <p:ph type="ftr" sz="quarter" idx="13"/>
-          </p:nvPr>
-        </p:nvSpPr>
-        <p:spPr/>
-        <p:txBody>
-          <a:bodyPr/>
-          <a:lstStyle/>
-          <a:p>
-            <a:pPr marL="0" marR="0" lvl="0" indent="0" algn="r" defTabSz="914400" rtl="0" eaLnBrk="1" fontAlgn="auto" latinLnBrk="0" hangingPunct="1">
-              <a:lnSpc>
-                <a:spcPct val="100000"/>
-              </a:lnSpc>
-              <a:spcBef>
-                <a:spcPts val="0"/>
-              </a:spcBef>
-              <a:spcAft>
-                <a:spcPts val="0"/>
-              </a:spcAft>
-              <a:buClrTx/>
-              <a:buSzTx/>
-              <a:buFontTx/>
-              <a:buNone/>
-              <a:tabLst/>
-              <a:defRPr/>
-            </a:pPr>
-            <a:r>
-              <a:rPr kumimoji="0" lang="da-DK" sz="700" b="1" i="0" u="none" strike="noStrike" kern="1200" cap="none" spc="0" normalizeH="0" baseline="0" noProof="0">
-                <a:ln>
-                  <a:noFill/>
-                </a:ln>
-                <a:solidFill>
-                  <a:srgbClr val="FFFFFF"/>
-                </a:solidFill>
-                <a:effectLst/>
-                <a:uLnTx/>
-                <a:uFillTx/>
-                <a:latin typeface="Arial"/>
-                <a:ea typeface="+mn-ea"/>
-                <a:cs typeface="+mn-cs"/>
-              </a:rPr>
-              <a:t>Simiam Ghan | sangh@dtu.dk</a:t>
-            </a:r>
-            <a:endParaRPr kumimoji="0" lang="da-DK" sz="700" b="1" i="0" u="none" strike="noStrike" kern="1200" cap="none" spc="0" normalizeH="0" baseline="0" noProof="0" dirty="0">
-              <a:ln>
-                <a:noFill/>
-              </a:ln>
-              <a:solidFill>
-                <a:srgbClr val="FFFFFF"/>
-              </a:solidFill>
-              <a:effectLst/>
-              <a:uLnTx/>
-              <a:uFillTx/>
-              <a:latin typeface="Arial"/>
-              <a:ea typeface="+mn-ea"/>
-              <a:cs typeface="+mn-cs"/>
-            </a:endParaRPr>
-          </a:p>
-        </p:txBody>
-      </p:sp>
-      <p:sp>
-        <p:nvSpPr>
-          <p:cNvPr id="8" name="TextBox 7">
-            <a:extLst>
-              <a:ext uri="{FF2B5EF4-FFF2-40B4-BE49-F238E27FC236}">
-                <a16:creationId xmlns:a16="http://schemas.microsoft.com/office/drawing/2014/main" id="{F64161BE-2E48-0544-70D7-EBCB826D7B9D}"/>
-              </a:ext>
-            </a:extLst>
-          </p:cNvPr>
-          <p:cNvSpPr txBox="1"/>
-          <p:nvPr/>
-        </p:nvSpPr>
-        <p:spPr>
-          <a:xfrm>
-            <a:off x="6158240" y="-408279"/>
-            <a:ext cx="3727624" cy="276999"/>
-          </a:xfrm>
-          <a:prstGeom prst="rect">
-            <a:avLst/>
-          </a:prstGeom>
-          <a:noFill/>
-        </p:spPr>
-        <p:txBody>
-          <a:bodyPr wrap="none" lIns="0" tIns="0" rIns="0" bIns="0" rtlCol="0">
-            <a:spAutoFit/>
-          </a:bodyPr>
-          <a:lstStyle/>
-          <a:p>
-            <a:pPr marL="0" marR="0" lvl="0" indent="0" algn="l" defTabSz="914400" rtl="0" eaLnBrk="1" fontAlgn="auto" latinLnBrk="0" hangingPunct="1">
-              <a:lnSpc>
-                <a:spcPct val="100000"/>
-              </a:lnSpc>
-              <a:spcBef>
-                <a:spcPts val="432"/>
-              </a:spcBef>
-              <a:spcAft>
-                <a:spcPts val="0"/>
-              </a:spcAft>
-              <a:buClrTx/>
-              <a:buSzTx/>
-              <a:buFontTx/>
-              <a:buNone/>
-              <a:tabLst/>
-              <a:defRPr/>
-            </a:pPr>
-            <a:r>
-              <a:rPr kumimoji="0" lang="en-DK" sz="1800" b="0" i="0" u="none" strike="noStrike" kern="1200" cap="none" spc="0" normalizeH="0" baseline="0" noProof="0" dirty="0">
-                <a:ln>
-                  <a:noFill/>
-                </a:ln>
-                <a:solidFill>
-                  <a:srgbClr val="FF0000"/>
-                </a:solidFill>
-                <a:effectLst/>
-                <a:uLnTx/>
-                <a:uFillTx/>
-                <a:latin typeface="Arial"/>
-                <a:ea typeface="+mn-ea"/>
-                <a:cs typeface="+mn-cs"/>
-              </a:rPr>
-              <a:t>Workfunctions versus wavefunctions</a:t>
-            </a:r>
-          </a:p>
-        </p:txBody>
-      </p:sp>
-      <p:sp>
-        <p:nvSpPr>
-          <p:cNvPr id="9" name="TextBox 8">
-            <a:extLst>
-              <a:ext uri="{FF2B5EF4-FFF2-40B4-BE49-F238E27FC236}">
-                <a16:creationId xmlns:a16="http://schemas.microsoft.com/office/drawing/2014/main" id="{F186A86A-EAEE-B0F0-9B09-A5A5BD018F33}"/>
-              </a:ext>
-            </a:extLst>
-          </p:cNvPr>
-          <p:cNvSpPr txBox="1"/>
-          <p:nvPr/>
-        </p:nvSpPr>
-        <p:spPr>
-          <a:xfrm>
-            <a:off x="1272988" y="-358587"/>
-            <a:ext cx="4787153" cy="246221"/>
-          </a:xfrm>
-          <a:prstGeom prst="rect">
-            <a:avLst/>
-          </a:prstGeom>
-          <a:noFill/>
-        </p:spPr>
-        <p:txBody>
-          <a:bodyPr wrap="square" lIns="0" tIns="0" rIns="0" bIns="0" rtlCol="0">
-            <a:spAutoFit/>
-          </a:bodyPr>
-          <a:lstStyle/>
-          <a:p>
-            <a:pPr marL="0" marR="0" lvl="0" indent="0" algn="l" defTabSz="914400" rtl="0" eaLnBrk="1" fontAlgn="auto" latinLnBrk="0" hangingPunct="1">
-              <a:lnSpc>
-                <a:spcPct val="100000"/>
-              </a:lnSpc>
-              <a:spcBef>
-                <a:spcPts val="432"/>
-              </a:spcBef>
-              <a:spcAft>
-                <a:spcPts val="0"/>
-              </a:spcAft>
-              <a:buClrTx/>
-              <a:buSzTx/>
-              <a:buFontTx/>
-              <a:buNone/>
-              <a:tabLst/>
-              <a:defRPr/>
-            </a:pPr>
-            <a:r>
-              <a:rPr kumimoji="0" lang="en-GB" sz="1050" b="0" i="0" u="none" strike="noStrike" kern="1200" cap="none" spc="0" normalizeH="0" baseline="0" noProof="0" dirty="0">
-                <a:ln>
-                  <a:noFill/>
-                </a:ln>
-                <a:solidFill>
-                  <a:srgbClr val="2F3EEA"/>
-                </a:solidFill>
-                <a:effectLst/>
-                <a:uLnTx/>
-                <a:uFillTx/>
-                <a:latin typeface="Arial"/>
-                <a:ea typeface="+mn-ea"/>
-                <a:cs typeface="+mn-cs"/>
-              </a:rPr>
-              <a:t>Hypothesis: W</a:t>
-            </a:r>
-            <a:r>
-              <a:rPr kumimoji="0" lang="en-DK" sz="1050" b="0" i="0" u="none" strike="noStrike" kern="1200" cap="none" spc="0" normalizeH="0" baseline="0" noProof="0" dirty="0">
-                <a:ln>
-                  <a:noFill/>
-                </a:ln>
-                <a:solidFill>
-                  <a:srgbClr val="2F3EEA"/>
-                </a:solidFill>
-                <a:effectLst/>
-                <a:uLnTx/>
-                <a:uFillTx/>
-                <a:latin typeface="Arial"/>
-                <a:ea typeface="+mn-ea"/>
-                <a:cs typeface="+mn-cs"/>
-              </a:rPr>
-              <a:t>orkfunction is a covalent descriptor </a:t>
-            </a:r>
-            <a:r>
-              <a:rPr kumimoji="0" lang="en-DK" sz="1600" b="0" i="1" u="none" strike="noStrike" kern="1200" cap="none" spc="0" normalizeH="0" baseline="0" noProof="0" dirty="0">
-                <a:ln>
-                  <a:noFill/>
-                </a:ln>
-                <a:solidFill>
-                  <a:srgbClr val="2F3EEA"/>
-                </a:solidFill>
-                <a:effectLst/>
-                <a:uLnTx/>
-                <a:uFillTx/>
-                <a:latin typeface="Arial"/>
-                <a:ea typeface="+mn-ea"/>
-                <a:cs typeface="+mn-cs"/>
-              </a:rPr>
-              <a:t>above</a:t>
-            </a:r>
-            <a:r>
-              <a:rPr kumimoji="0" lang="en-DK" sz="1050" b="0" i="0" u="none" strike="noStrike" kern="1200" cap="none" spc="0" normalizeH="0" baseline="0" noProof="0" dirty="0">
-                <a:ln>
-                  <a:noFill/>
-                </a:ln>
-                <a:solidFill>
-                  <a:srgbClr val="2F3EEA"/>
-                </a:solidFill>
-                <a:effectLst/>
-                <a:uLnTx/>
-                <a:uFillTx/>
-                <a:latin typeface="Arial"/>
-                <a:ea typeface="+mn-ea"/>
-                <a:cs typeface="+mn-cs"/>
-              </a:rPr>
-              <a:t> the surface</a:t>
-            </a:r>
-            <a:r>
-              <a:rPr kumimoji="0" lang="en-DK" sz="1050" b="0" i="0" u="none" strike="noStrike" kern="1200" cap="none" spc="0" normalizeH="0" baseline="0" noProof="0" dirty="0">
-                <a:ln>
-                  <a:noFill/>
-                </a:ln>
-                <a:solidFill>
-                  <a:srgbClr val="000000"/>
-                </a:solidFill>
-                <a:effectLst/>
-                <a:uLnTx/>
-                <a:uFillTx/>
-                <a:latin typeface="Arial"/>
-                <a:ea typeface="+mn-ea"/>
-                <a:cs typeface="+mn-cs"/>
-              </a:rPr>
-              <a:t>.</a:t>
-            </a:r>
-          </a:p>
-        </p:txBody>
-      </p:sp>
-      <p:sp>
-        <p:nvSpPr>
-          <p:cNvPr id="11" name="TextBox 10">
-            <a:extLst>
-              <a:ext uri="{FF2B5EF4-FFF2-40B4-BE49-F238E27FC236}">
-                <a16:creationId xmlns:a16="http://schemas.microsoft.com/office/drawing/2014/main" id="{B1BDBE51-69E1-07FD-3651-88E253FBF7E0}"/>
-              </a:ext>
-            </a:extLst>
-          </p:cNvPr>
-          <p:cNvSpPr txBox="1"/>
-          <p:nvPr/>
-        </p:nvSpPr>
-        <p:spPr>
-          <a:xfrm>
-            <a:off x="6508376" y="188258"/>
-            <a:ext cx="1769715" cy="276999"/>
-          </a:xfrm>
-          <a:prstGeom prst="rect">
-            <a:avLst/>
-          </a:prstGeom>
-          <a:noFill/>
-        </p:spPr>
-        <p:txBody>
-          <a:bodyPr wrap="none" lIns="0" tIns="0" rIns="0" bIns="0" rtlCol="0">
-            <a:spAutoFit/>
-          </a:bodyPr>
-          <a:lstStyle/>
-          <a:p>
-            <a:pPr marL="0" marR="0" lvl="0" indent="0" algn="l" defTabSz="914400" rtl="0" eaLnBrk="1" fontAlgn="auto" latinLnBrk="0" hangingPunct="1">
-              <a:lnSpc>
-                <a:spcPct val="100000"/>
-              </a:lnSpc>
-              <a:spcBef>
-                <a:spcPts val="432"/>
-              </a:spcBef>
-              <a:spcAft>
-                <a:spcPts val="0"/>
-              </a:spcAft>
-              <a:buClrTx/>
-              <a:buSzTx/>
-              <a:buFontTx/>
-              <a:buNone/>
-              <a:tabLst/>
-              <a:defRPr/>
-            </a:pPr>
-            <a:r>
-              <a:rPr kumimoji="0" lang="en-GB" sz="1800" b="0" i="0" u="none" strike="noStrike" kern="1200" cap="none" spc="0" normalizeH="0" baseline="0" noProof="0" dirty="0">
-                <a:ln>
-                  <a:noFill/>
-                </a:ln>
-                <a:solidFill>
-                  <a:srgbClr val="000000"/>
-                </a:solidFill>
-                <a:effectLst/>
-                <a:uLnTx/>
-                <a:uFillTx/>
-                <a:latin typeface="Arial"/>
-                <a:ea typeface="+mn-ea"/>
-                <a:cs typeface="+mn-cs"/>
-              </a:rPr>
-              <a:t>I</a:t>
-            </a:r>
-            <a:r>
-              <a:rPr kumimoji="0" lang="en-DK" sz="1800" b="0" i="0" u="none" strike="noStrike" kern="1200" cap="none" spc="0" normalizeH="0" baseline="0" noProof="0" dirty="0">
-                <a:ln>
-                  <a:noFill/>
-                </a:ln>
-                <a:solidFill>
-                  <a:srgbClr val="000000"/>
-                </a:solidFill>
-                <a:effectLst/>
-                <a:uLnTx/>
-                <a:uFillTx/>
-                <a:latin typeface="Arial"/>
-                <a:ea typeface="+mn-ea"/>
-                <a:cs typeface="+mn-cs"/>
-              </a:rPr>
-              <a:t>nclude in paper?</a:t>
-            </a:r>
-          </a:p>
-        </p:txBody>
-      </p:sp>
-      <p:sp>
-        <p:nvSpPr>
-          <p:cNvPr id="12" name="TextBox 11">
-            <a:extLst>
-              <a:ext uri="{FF2B5EF4-FFF2-40B4-BE49-F238E27FC236}">
-                <a16:creationId xmlns:a16="http://schemas.microsoft.com/office/drawing/2014/main" id="{2BBA90B6-143B-6A9F-78EB-07AC9507B2DF}"/>
-              </a:ext>
-            </a:extLst>
-          </p:cNvPr>
-          <p:cNvSpPr txBox="1"/>
-          <p:nvPr/>
-        </p:nvSpPr>
-        <p:spPr>
-          <a:xfrm>
-            <a:off x="10309412" y="358588"/>
-            <a:ext cx="1025922" cy="276999"/>
-          </a:xfrm>
-          <a:prstGeom prst="rect">
-            <a:avLst/>
-          </a:prstGeom>
-          <a:noFill/>
-        </p:spPr>
-        <p:txBody>
-          <a:bodyPr wrap="none" lIns="0" tIns="0" rIns="0" bIns="0" rtlCol="0">
-            <a:spAutoFit/>
-          </a:bodyPr>
-          <a:lstStyle/>
-          <a:p>
-            <a:pPr marL="0" marR="0" lvl="0" indent="0" algn="l" defTabSz="914400" rtl="0" eaLnBrk="1" fontAlgn="auto" latinLnBrk="0" hangingPunct="1">
-              <a:lnSpc>
-                <a:spcPct val="100000"/>
-              </a:lnSpc>
-              <a:spcBef>
-                <a:spcPts val="432"/>
-              </a:spcBef>
-              <a:spcAft>
-                <a:spcPts val="0"/>
-              </a:spcAft>
-              <a:buClrTx/>
-              <a:buSzTx/>
-              <a:buFontTx/>
-              <a:buNone/>
-              <a:tabLst/>
-              <a:defRPr/>
-            </a:pPr>
-            <a:r>
-              <a:rPr kumimoji="0" lang="en-DK" sz="1800" b="0" i="0" u="none" strike="noStrike" kern="1200" cap="none" spc="0" normalizeH="0" baseline="0" noProof="0" dirty="0">
-                <a:ln>
-                  <a:noFill/>
-                </a:ln>
-                <a:solidFill>
-                  <a:srgbClr val="000000"/>
-                </a:solidFill>
-                <a:effectLst/>
-                <a:uLnTx/>
-                <a:uFillTx/>
-                <a:latin typeface="Arial"/>
-                <a:ea typeface="+mn-ea"/>
-                <a:cs typeface="+mn-cs"/>
-              </a:rPr>
-              <a:t>26.6.2025</a:t>
-            </a:r>
-          </a:p>
-        </p:txBody>
-      </p:sp>
-      <p:sp>
-        <p:nvSpPr>
-          <p:cNvPr id="5" name="TextBox 4">
-            <a:extLst>
-              <a:ext uri="{FF2B5EF4-FFF2-40B4-BE49-F238E27FC236}">
-                <a16:creationId xmlns:a16="http://schemas.microsoft.com/office/drawing/2014/main" id="{E04B14E9-F070-5855-E273-567CA080CCB5}"/>
-              </a:ext>
-            </a:extLst>
-          </p:cNvPr>
-          <p:cNvSpPr txBox="1"/>
-          <p:nvPr/>
-        </p:nvSpPr>
-        <p:spPr>
-          <a:xfrm>
-            <a:off x="1013012" y="663389"/>
-            <a:ext cx="1308050" cy="276999"/>
-          </a:xfrm>
-          <a:prstGeom prst="rect">
-            <a:avLst/>
-          </a:prstGeom>
-          <a:noFill/>
-        </p:spPr>
-        <p:txBody>
-          <a:bodyPr wrap="none" lIns="0" tIns="0" rIns="0" bIns="0" rtlCol="0">
-            <a:spAutoFit/>
-          </a:bodyPr>
-          <a:lstStyle/>
-          <a:p>
-            <a:pPr marL="0" marR="0" lvl="0" indent="0" algn="l" defTabSz="914400" rtl="0" eaLnBrk="1" fontAlgn="auto" latinLnBrk="0" hangingPunct="1">
-              <a:lnSpc>
-                <a:spcPct val="100000"/>
-              </a:lnSpc>
-              <a:spcBef>
-                <a:spcPts val="432"/>
-              </a:spcBef>
-              <a:spcAft>
-                <a:spcPts val="0"/>
-              </a:spcAft>
-              <a:buClrTx/>
-              <a:buSzTx/>
-              <a:buFontTx/>
-              <a:buNone/>
-              <a:tabLst/>
-              <a:defRPr/>
-            </a:pPr>
-            <a:r>
-              <a:rPr kumimoji="0" lang="en-DK" sz="1800" b="0" i="0" u="none" strike="noStrike" kern="1200" cap="none" spc="0" normalizeH="0" baseline="0" noProof="0" dirty="0">
-                <a:ln>
-                  <a:noFill/>
-                </a:ln>
-                <a:solidFill>
-                  <a:srgbClr val="000000"/>
-                </a:solidFill>
-                <a:effectLst/>
-                <a:uLnTx/>
-                <a:uFillTx/>
-                <a:latin typeface="Arial"/>
-                <a:ea typeface="+mn-ea"/>
-                <a:cs typeface="+mn-cs"/>
-              </a:rPr>
-              <a:t>Htop vs Hfcc</a:t>
-            </a:r>
-          </a:p>
-        </p:txBody>
-      </p:sp>
-      <p:pic>
-        <p:nvPicPr>
-          <p:cNvPr id="15" name="Picture 14" descr="A diagram of a graph&#10;&#10;AI-generated content may be incorrect.">
-            <a:extLst>
-              <a:ext uri="{FF2B5EF4-FFF2-40B4-BE49-F238E27FC236}">
-                <a16:creationId xmlns:a16="http://schemas.microsoft.com/office/drawing/2014/main" id="{C5D86E37-4BDE-D4CB-F04F-0C3A201FEDD2}"/>
-              </a:ext>
-            </a:extLst>
-          </p:cNvPr>
-          <p:cNvPicPr>
-            <a:picLocks noChangeAspect="1"/>
-          </p:cNvPicPr>
-          <p:nvPr/>
-        </p:nvPicPr>
-        <p:blipFill>
-          <a:blip r:embed="rId2"/>
-          <a:stretch>
-            <a:fillRect/>
-          </a:stretch>
-        </p:blipFill>
-        <p:spPr>
-          <a:xfrm>
-            <a:off x="0" y="1207473"/>
-            <a:ext cx="2609930" cy="2409468"/>
-          </a:xfrm>
-          <a:prstGeom prst="rect">
-            <a:avLst/>
-          </a:prstGeom>
-        </p:spPr>
-      </p:pic>
-      <p:pic>
-        <p:nvPicPr>
-          <p:cNvPr id="17" name="Picture 16" descr="A diagram of a graph&#10;&#10;AI-generated content may be incorrect.">
-            <a:extLst>
-              <a:ext uri="{FF2B5EF4-FFF2-40B4-BE49-F238E27FC236}">
-                <a16:creationId xmlns:a16="http://schemas.microsoft.com/office/drawing/2014/main" id="{07F074D1-F58D-968A-F884-C3CDE6920140}"/>
-              </a:ext>
-            </a:extLst>
-          </p:cNvPr>
-          <p:cNvPicPr>
-            <a:picLocks noChangeAspect="1"/>
-          </p:cNvPicPr>
-          <p:nvPr/>
-        </p:nvPicPr>
-        <p:blipFill>
-          <a:blip r:embed="rId3"/>
-          <a:stretch>
-            <a:fillRect/>
-          </a:stretch>
-        </p:blipFill>
-        <p:spPr>
-          <a:xfrm>
-            <a:off x="2475574" y="1259739"/>
-            <a:ext cx="2730731" cy="2395378"/>
-          </a:xfrm>
-          <a:prstGeom prst="rect">
-            <a:avLst/>
-          </a:prstGeom>
-        </p:spPr>
-      </p:pic>
-      <p:sp>
-        <p:nvSpPr>
-          <p:cNvPr id="24" name="TextBox 23">
-            <a:extLst>
-              <a:ext uri="{FF2B5EF4-FFF2-40B4-BE49-F238E27FC236}">
-                <a16:creationId xmlns:a16="http://schemas.microsoft.com/office/drawing/2014/main" id="{795803F6-573D-BF65-7DC2-6DCFB6B12E1B}"/>
-              </a:ext>
-            </a:extLst>
-          </p:cNvPr>
-          <p:cNvSpPr txBox="1"/>
-          <p:nvPr/>
-        </p:nvSpPr>
-        <p:spPr>
-          <a:xfrm>
-            <a:off x="932330" y="251012"/>
-            <a:ext cx="3052118" cy="276999"/>
-          </a:xfrm>
-          <a:prstGeom prst="rect">
-            <a:avLst/>
-          </a:prstGeom>
-          <a:noFill/>
-        </p:spPr>
-        <p:txBody>
-          <a:bodyPr wrap="none" lIns="0" tIns="0" rIns="0" bIns="0" rtlCol="0">
-            <a:spAutoFit/>
-          </a:bodyPr>
-          <a:lstStyle/>
-          <a:p>
-            <a:pPr marL="0" marR="0" lvl="0" indent="0" algn="l" defTabSz="914400" rtl="0" eaLnBrk="1" fontAlgn="auto" latinLnBrk="0" hangingPunct="1">
-              <a:lnSpc>
-                <a:spcPct val="100000"/>
-              </a:lnSpc>
-              <a:spcBef>
-                <a:spcPts val="432"/>
-              </a:spcBef>
-              <a:spcAft>
-                <a:spcPts val="0"/>
-              </a:spcAft>
-              <a:buClrTx/>
-              <a:buSzTx/>
-              <a:buFontTx/>
-              <a:buNone/>
-              <a:tabLst/>
-              <a:defRPr/>
-            </a:pPr>
-            <a:r>
-              <a:rPr kumimoji="0" lang="en-DK" sz="1800" b="0" i="0" u="none" strike="noStrike" kern="1200" cap="none" spc="0" normalizeH="0" baseline="0" noProof="0" dirty="0">
-                <a:ln>
-                  <a:noFill/>
-                </a:ln>
-                <a:solidFill>
-                  <a:srgbClr val="000000"/>
-                </a:solidFill>
-                <a:effectLst/>
-                <a:uLnTx/>
-                <a:uFillTx/>
-                <a:latin typeface="Arial"/>
-                <a:ea typeface="+mn-ea"/>
-                <a:cs typeface="+mn-cs"/>
-              </a:rPr>
-              <a:t>HBE vs electronic Descriptors</a:t>
-            </a:r>
-          </a:p>
-        </p:txBody>
-      </p:sp>
-      <p:pic>
-        <p:nvPicPr>
-          <p:cNvPr id="13" name="Picture 12" descr="A diagram of a graph&#10;&#10;AI-generated content may be incorrect.">
-            <a:extLst>
-              <a:ext uri="{FF2B5EF4-FFF2-40B4-BE49-F238E27FC236}">
-                <a16:creationId xmlns:a16="http://schemas.microsoft.com/office/drawing/2014/main" id="{9DB3D143-1B96-3381-0E36-6AEC3E0DC934}"/>
-              </a:ext>
-            </a:extLst>
-          </p:cNvPr>
-          <p:cNvPicPr>
-            <a:picLocks noChangeAspect="1"/>
-          </p:cNvPicPr>
-          <p:nvPr/>
-        </p:nvPicPr>
-        <p:blipFill>
-          <a:blip r:embed="rId4"/>
-          <a:stretch>
-            <a:fillRect/>
-          </a:stretch>
-        </p:blipFill>
-        <p:spPr>
-          <a:xfrm>
-            <a:off x="5016002" y="1218837"/>
-            <a:ext cx="2640680" cy="2409468"/>
-          </a:xfrm>
-          <a:prstGeom prst="rect">
-            <a:avLst/>
-          </a:prstGeom>
-        </p:spPr>
-      </p:pic>
-      <p:pic>
-        <p:nvPicPr>
-          <p:cNvPr id="7" name="Picture 6" descr="A diagram of a graph&#10;&#10;AI-generated content may be incorrect.">
-            <a:extLst>
-              <a:ext uri="{FF2B5EF4-FFF2-40B4-BE49-F238E27FC236}">
-                <a16:creationId xmlns:a16="http://schemas.microsoft.com/office/drawing/2014/main" id="{6D017777-4FF4-9770-3310-D7D23795CC77}"/>
-              </a:ext>
-            </a:extLst>
-          </p:cNvPr>
-          <p:cNvPicPr>
-            <a:picLocks noChangeAspect="1"/>
-          </p:cNvPicPr>
-          <p:nvPr/>
-        </p:nvPicPr>
-        <p:blipFill>
-          <a:blip r:embed="rId5"/>
-          <a:stretch>
-            <a:fillRect/>
-          </a:stretch>
-        </p:blipFill>
-        <p:spPr>
-          <a:xfrm>
-            <a:off x="7566121" y="1221238"/>
-            <a:ext cx="2683550" cy="2409468"/>
-          </a:xfrm>
-          <a:prstGeom prst="rect">
-            <a:avLst/>
-          </a:prstGeom>
-        </p:spPr>
-      </p:pic>
-      <p:pic>
-        <p:nvPicPr>
-          <p:cNvPr id="30" name="Picture 29" descr="A diagram of a graph&#10;&#10;AI-generated content may be incorrect.">
-            <a:extLst>
-              <a:ext uri="{FF2B5EF4-FFF2-40B4-BE49-F238E27FC236}">
-                <a16:creationId xmlns:a16="http://schemas.microsoft.com/office/drawing/2014/main" id="{262E038C-CF7B-B40E-9D2C-8F92BEE18905}"/>
-              </a:ext>
-            </a:extLst>
-          </p:cNvPr>
-          <p:cNvPicPr>
-            <a:picLocks noChangeAspect="1"/>
-          </p:cNvPicPr>
-          <p:nvPr/>
-        </p:nvPicPr>
-        <p:blipFill>
-          <a:blip r:embed="rId6"/>
-          <a:stretch>
-            <a:fillRect/>
-          </a:stretch>
-        </p:blipFill>
-        <p:spPr>
-          <a:xfrm>
-            <a:off x="80682" y="4080438"/>
-            <a:ext cx="2484390" cy="2387280"/>
-          </a:xfrm>
-          <a:prstGeom prst="rect">
-            <a:avLst/>
-          </a:prstGeom>
-        </p:spPr>
-      </p:pic>
-      <p:pic>
-        <p:nvPicPr>
-          <p:cNvPr id="32" name="Picture 31" descr="A diagram of a graph&#10;&#10;AI-generated content may be incorrect.">
-            <a:extLst>
-              <a:ext uri="{FF2B5EF4-FFF2-40B4-BE49-F238E27FC236}">
-                <a16:creationId xmlns:a16="http://schemas.microsoft.com/office/drawing/2014/main" id="{74C9C2EA-6968-9120-035C-546BE9555402}"/>
-              </a:ext>
-            </a:extLst>
-          </p:cNvPr>
-          <p:cNvPicPr>
-            <a:picLocks noChangeAspect="1"/>
-          </p:cNvPicPr>
-          <p:nvPr/>
-        </p:nvPicPr>
-        <p:blipFill>
-          <a:blip r:embed="rId7"/>
-          <a:stretch>
-            <a:fillRect/>
-          </a:stretch>
-        </p:blipFill>
-        <p:spPr>
-          <a:xfrm>
-            <a:off x="2662143" y="4006319"/>
-            <a:ext cx="2541682" cy="2387281"/>
-          </a:xfrm>
-          <a:prstGeom prst="rect">
-            <a:avLst/>
-          </a:prstGeom>
-        </p:spPr>
-      </p:pic>
-      <p:pic>
-        <p:nvPicPr>
-          <p:cNvPr id="36" name="Picture 35" descr="A diagram of a graph&#10;&#10;AI-generated content may be incorrect.">
-            <a:extLst>
-              <a:ext uri="{FF2B5EF4-FFF2-40B4-BE49-F238E27FC236}">
-                <a16:creationId xmlns:a16="http://schemas.microsoft.com/office/drawing/2014/main" id="{CB7A9B6F-8EF4-CE1A-D275-97D5C4FECC1C}"/>
-              </a:ext>
-            </a:extLst>
-          </p:cNvPr>
-          <p:cNvPicPr>
-            <a:picLocks noChangeAspect="1"/>
-          </p:cNvPicPr>
-          <p:nvPr/>
-        </p:nvPicPr>
-        <p:blipFill>
-          <a:blip r:embed="rId8"/>
-          <a:stretch>
-            <a:fillRect/>
-          </a:stretch>
-        </p:blipFill>
-        <p:spPr>
-          <a:xfrm>
-            <a:off x="10095977" y="4001519"/>
-            <a:ext cx="2499435" cy="2387281"/>
-          </a:xfrm>
-          <a:prstGeom prst="rect">
-            <a:avLst/>
-          </a:prstGeom>
-        </p:spPr>
-      </p:pic>
-      <p:pic>
-        <p:nvPicPr>
-          <p:cNvPr id="28" name="Picture 27" descr="A diagram of a graph&#10;&#10;AI-generated content may be incorrect.">
-            <a:extLst>
-              <a:ext uri="{FF2B5EF4-FFF2-40B4-BE49-F238E27FC236}">
-                <a16:creationId xmlns:a16="http://schemas.microsoft.com/office/drawing/2014/main" id="{E371287B-431D-044F-3EFE-FD5C84C44610}"/>
-              </a:ext>
-            </a:extLst>
-          </p:cNvPr>
-          <p:cNvPicPr>
-            <a:picLocks noChangeAspect="1"/>
-          </p:cNvPicPr>
-          <p:nvPr/>
-        </p:nvPicPr>
-        <p:blipFill>
-          <a:blip r:embed="rId9"/>
-          <a:stretch>
-            <a:fillRect/>
-          </a:stretch>
-        </p:blipFill>
-        <p:spPr>
-          <a:xfrm>
-            <a:off x="5102735" y="4029050"/>
-            <a:ext cx="2512290" cy="2387280"/>
-          </a:xfrm>
-          <a:prstGeom prst="rect">
-            <a:avLst/>
-          </a:prstGeom>
-        </p:spPr>
-      </p:pic>
-      <p:pic>
-        <p:nvPicPr>
-          <p:cNvPr id="26" name="Picture 25" descr="A diagram of a graph&#10;&#10;AI-generated content may be incorrect.">
-            <a:extLst>
-              <a:ext uri="{FF2B5EF4-FFF2-40B4-BE49-F238E27FC236}">
-                <a16:creationId xmlns:a16="http://schemas.microsoft.com/office/drawing/2014/main" id="{80C1841B-DC31-8FFC-AEFE-49CC7CB9E5DD}"/>
-              </a:ext>
-            </a:extLst>
-          </p:cNvPr>
-          <p:cNvPicPr>
-            <a:picLocks noChangeAspect="1"/>
-          </p:cNvPicPr>
-          <p:nvPr/>
-        </p:nvPicPr>
-        <p:blipFill>
-          <a:blip r:embed="rId10"/>
-          <a:stretch>
-            <a:fillRect/>
-          </a:stretch>
-        </p:blipFill>
-        <p:spPr>
-          <a:xfrm>
-            <a:off x="7643446" y="4031447"/>
-            <a:ext cx="2492662" cy="2387281"/>
-          </a:xfrm>
-          <a:prstGeom prst="rect">
-            <a:avLst/>
-          </a:prstGeom>
-        </p:spPr>
-      </p:pic>
-      <p:pic>
-        <p:nvPicPr>
-          <p:cNvPr id="22" name="Picture 21" descr="A diagram of a graph&#10;&#10;AI-generated content may be incorrect.">
-            <a:extLst>
-              <a:ext uri="{FF2B5EF4-FFF2-40B4-BE49-F238E27FC236}">
-                <a16:creationId xmlns:a16="http://schemas.microsoft.com/office/drawing/2014/main" id="{AB44E7DD-E0EF-A99F-EC2F-1F9C91E28C3C}"/>
-              </a:ext>
-            </a:extLst>
-          </p:cNvPr>
-          <p:cNvPicPr>
-            <a:picLocks noChangeAspect="1"/>
-          </p:cNvPicPr>
-          <p:nvPr/>
-        </p:nvPicPr>
-        <p:blipFill>
-          <a:blip r:embed="rId11"/>
-          <a:stretch>
-            <a:fillRect/>
-          </a:stretch>
-        </p:blipFill>
-        <p:spPr>
-          <a:xfrm>
-            <a:off x="10092052" y="1256462"/>
-            <a:ext cx="2646795" cy="2409468"/>
-          </a:xfrm>
-          <a:prstGeom prst="rect">
-            <a:avLst/>
-          </a:prstGeom>
-        </p:spPr>
-      </p:pic>
-    </p:spTree>
-    <p:extLst>
-      <p:ext uri="{BB962C8B-B14F-4D97-AF65-F5344CB8AC3E}">
-        <p14:creationId xmlns:p14="http://schemas.microsoft.com/office/powerpoint/2010/main" val="3342676585"/>
-      </p:ext>
-    </p:extLst>
-  </p:cSld>
-  <p:clrMapOvr>
-    <a:masterClrMapping/>
-  </p:clrMapOvr>
-</p:sld>
-</file>
-
-<file path=ppt/slides/slide4.xml><?xml version="1.0" encoding="utf-8"?>
-<p:sld xmlns:a="http://schemas.openxmlformats.org/drawingml/2006/main" xmlns:r="http://schemas.openxmlformats.org/officeDocument/2006/relationships" xmlns:p="http://schemas.openxmlformats.org/presentationml/2006/main">
-  <p:cSld>
-    <p:spTree>
-      <p:nvGrpSpPr>
-        <p:cNvPr id="1" name=""/>
-        <p:cNvGrpSpPr/>
-        <p:nvPr/>
-      </p:nvGrpSpPr>
-      <p:grpSpPr>
-        <a:xfrm>
-          <a:off x="0" y="0"/>
-          <a:ext cx="0" cy="0"/>
-          <a:chOff x="0" y="0"/>
-          <a:chExt cx="0" cy="0"/>
-        </a:xfrm>
-      </p:grpSpPr>
-      <p:pic>
-        <p:nvPicPr>
-          <p:cNvPr id="7" name="Picture 6">
-            <a:extLst>
-              <a:ext uri="{FF2B5EF4-FFF2-40B4-BE49-F238E27FC236}">
-                <a16:creationId xmlns:a16="http://schemas.microsoft.com/office/drawing/2014/main" id="{A71CBCB1-56DD-3402-F24A-A2B4B5A6AE69}"/>
-              </a:ext>
-            </a:extLst>
-          </p:cNvPr>
-          <p:cNvPicPr>
-            <a:picLocks noChangeAspect="1"/>
-          </p:cNvPicPr>
-          <p:nvPr/>
-        </p:nvPicPr>
-        <p:blipFill>
-          <a:blip r:embed="rId2"/>
-          <a:stretch>
-            <a:fillRect/>
-          </a:stretch>
-        </p:blipFill>
-        <p:spPr>
-          <a:xfrm>
-            <a:off x="6743298" y="1713298"/>
-            <a:ext cx="2695074" cy="2695074"/>
-          </a:xfrm>
-          <a:prstGeom prst="rect">
-            <a:avLst/>
-          </a:prstGeom>
-        </p:spPr>
-      </p:pic>
-      <p:sp>
-        <p:nvSpPr>
-          <p:cNvPr id="2" name="Slide Number Placeholder 1">
-            <a:extLst>
-              <a:ext uri="{FF2B5EF4-FFF2-40B4-BE49-F238E27FC236}">
-                <a16:creationId xmlns:a16="http://schemas.microsoft.com/office/drawing/2014/main" id="{4C2CA5BD-BD53-4F91-58BA-5D07462665E5}"/>
-              </a:ext>
-            </a:extLst>
-          </p:cNvPr>
-          <p:cNvSpPr>
-            <a:spLocks noGrp="1"/>
-          </p:cNvSpPr>
-          <p:nvPr>
-            <p:ph type="sldNum" sz="quarter" idx="11"/>
-          </p:nvPr>
-        </p:nvSpPr>
-        <p:spPr/>
-        <p:txBody>
-          <a:bodyPr/>
-          <a:lstStyle/>
-          <a:p>
-            <a:pPr marL="0" marR="0" lvl="0" indent="0" algn="l" defTabSz="914400" rtl="0" eaLnBrk="1" fontAlgn="auto" latinLnBrk="0" hangingPunct="1">
-              <a:lnSpc>
-                <a:spcPct val="100000"/>
-              </a:lnSpc>
-              <a:spcBef>
-                <a:spcPts val="0"/>
-              </a:spcBef>
-              <a:spcAft>
-                <a:spcPts val="0"/>
-              </a:spcAft>
-              <a:buClrTx/>
-              <a:buSzTx/>
-              <a:buFontTx/>
-              <a:buNone/>
-              <a:tabLst/>
-              <a:defRPr/>
-            </a:pPr>
-            <a:fld id="{103EA872-A674-449B-A120-B97244F8E91D}" type="slidenum">
-              <a:rPr kumimoji="0" lang="en-GB" sz="700" b="1" i="0" u="none" strike="noStrike" kern="1200" cap="none" spc="0" normalizeH="0" baseline="0" noProof="0" smtClean="0">
-                <a:ln>
-                  <a:noFill/>
-                </a:ln>
-                <a:solidFill>
-                  <a:srgbClr val="FFFFFF"/>
-                </a:solidFill>
-                <a:effectLst/>
-                <a:uLnTx/>
-                <a:uFillTx/>
-                <a:latin typeface="Arial"/>
-                <a:ea typeface="+mn-ea"/>
-                <a:cs typeface="+mn-cs"/>
-              </a:rPr>
-              <a:pPr marL="0" marR="0" lvl="0" indent="0" algn="l" defTabSz="914400" rtl="0" eaLnBrk="1" fontAlgn="auto" latinLnBrk="0" hangingPunct="1">
-                <a:lnSpc>
-                  <a:spcPct val="100000"/>
-                </a:lnSpc>
-                <a:spcBef>
-                  <a:spcPts val="0"/>
-                </a:spcBef>
-                <a:spcAft>
-                  <a:spcPts val="0"/>
-                </a:spcAft>
-                <a:buClrTx/>
-                <a:buSzTx/>
-                <a:buFontTx/>
-                <a:buNone/>
-                <a:tabLst/>
-                <a:defRPr/>
-              </a:pPr>
-              <a:t>4</a:t>
-            </a:fld>
-            <a:endParaRPr kumimoji="0" lang="en-GB" sz="700" b="1" i="0" u="none" strike="noStrike" kern="1200" cap="none" spc="0" normalizeH="0" baseline="0" noProof="0" dirty="0">
-              <a:ln>
-                <a:noFill/>
-              </a:ln>
-              <a:solidFill>
-                <a:srgbClr val="FFFFFF"/>
-              </a:solidFill>
-              <a:effectLst/>
-              <a:uLnTx/>
-              <a:uFillTx/>
-              <a:latin typeface="Arial"/>
-              <a:ea typeface="+mn-ea"/>
-              <a:cs typeface="+mn-cs"/>
-            </a:endParaRPr>
-          </a:p>
-        </p:txBody>
-      </p:sp>
-      <p:sp>
-        <p:nvSpPr>
-          <p:cNvPr id="3" name="Date Placeholder 2">
-            <a:extLst>
-              <a:ext uri="{FF2B5EF4-FFF2-40B4-BE49-F238E27FC236}">
-                <a16:creationId xmlns:a16="http://schemas.microsoft.com/office/drawing/2014/main" id="{07CD40D6-83A6-8797-F381-15DCF88114DF}"/>
-              </a:ext>
-            </a:extLst>
-          </p:cNvPr>
-          <p:cNvSpPr>
-            <a:spLocks noGrp="1"/>
-          </p:cNvSpPr>
-          <p:nvPr>
-            <p:ph type="dt" sz="half" idx="12"/>
-          </p:nvPr>
-        </p:nvSpPr>
-        <p:spPr/>
-        <p:txBody>
-          <a:bodyPr/>
-          <a:lstStyle/>
-          <a:p>
-            <a:pPr marL="0" marR="0" lvl="0" indent="0" algn="r" defTabSz="914400" rtl="0" eaLnBrk="1" fontAlgn="auto" latinLnBrk="0" hangingPunct="1">
-              <a:lnSpc>
-                <a:spcPct val="100000"/>
-              </a:lnSpc>
-              <a:spcBef>
-                <a:spcPts val="0"/>
-              </a:spcBef>
-              <a:spcAft>
-                <a:spcPts val="0"/>
-              </a:spcAft>
-              <a:buClrTx/>
-              <a:buSzTx/>
-              <a:buFontTx/>
-              <a:buNone/>
-              <a:tabLst/>
-              <a:defRPr/>
-            </a:pPr>
-            <a:fld id="{9A1051F6-884E-4D46-AD5F-8A730B377BAA}" type="datetime1">
-              <a:rPr kumimoji="0" lang="da-DK" sz="700" b="1" i="0" u="none" strike="noStrike" kern="1200" cap="none" spc="0" normalizeH="0" baseline="0" noProof="0" smtClean="0">
-                <a:ln>
-                  <a:noFill/>
-                </a:ln>
-                <a:solidFill>
-                  <a:srgbClr val="FFFFFF"/>
-                </a:solidFill>
-                <a:effectLst/>
-                <a:uLnTx/>
-                <a:uFillTx/>
-                <a:latin typeface="Arial"/>
-                <a:ea typeface="+mn-ea"/>
-                <a:cs typeface="+mn-cs"/>
-              </a:rPr>
-              <a:pPr marL="0" marR="0" lvl="0" indent="0" algn="r" defTabSz="914400" rtl="0" eaLnBrk="1" fontAlgn="auto" latinLnBrk="0" hangingPunct="1">
-                <a:lnSpc>
-                  <a:spcPct val="100000"/>
-                </a:lnSpc>
-                <a:spcBef>
-                  <a:spcPts val="0"/>
-                </a:spcBef>
-                <a:spcAft>
-                  <a:spcPts val="0"/>
-                </a:spcAft>
-                <a:buClrTx/>
-                <a:buSzTx/>
-                <a:buFontTx/>
-                <a:buNone/>
-                <a:tabLst/>
-                <a:defRPr/>
-              </a:pPr>
-              <a:t>26.06.2025</a:t>
-            </a:fld>
-            <a:endParaRPr kumimoji="0" lang="en-GB" sz="700" b="1" i="0" u="none" strike="noStrike" kern="1200" cap="none" spc="0" normalizeH="0" baseline="0" noProof="0">
-              <a:ln>
-                <a:noFill/>
-              </a:ln>
-              <a:solidFill>
-                <a:srgbClr val="FFFFFF"/>
-              </a:solidFill>
-              <a:effectLst/>
-              <a:uLnTx/>
-              <a:uFillTx/>
-              <a:latin typeface="Arial"/>
-              <a:ea typeface="+mn-ea"/>
-              <a:cs typeface="+mn-cs"/>
-            </a:endParaRPr>
-          </a:p>
-        </p:txBody>
-      </p:sp>
-      <p:sp>
-        <p:nvSpPr>
-          <p:cNvPr id="4" name="Footer Placeholder 3">
-            <a:extLst>
-              <a:ext uri="{FF2B5EF4-FFF2-40B4-BE49-F238E27FC236}">
-                <a16:creationId xmlns:a16="http://schemas.microsoft.com/office/drawing/2014/main" id="{05F29AB2-4414-3FC7-45F2-AF26A5FC5364}"/>
-              </a:ext>
-            </a:extLst>
-          </p:cNvPr>
-          <p:cNvSpPr>
-            <a:spLocks noGrp="1"/>
-          </p:cNvSpPr>
-          <p:nvPr>
-            <p:ph type="ftr" sz="quarter" idx="13"/>
-          </p:nvPr>
-        </p:nvSpPr>
-        <p:spPr/>
-        <p:txBody>
-          <a:bodyPr/>
-          <a:lstStyle/>
-          <a:p>
-            <a:pPr marL="0" marR="0" lvl="0" indent="0" algn="r" defTabSz="914400" rtl="0" eaLnBrk="1" fontAlgn="auto" latinLnBrk="0" hangingPunct="1">
-              <a:lnSpc>
-                <a:spcPct val="100000"/>
-              </a:lnSpc>
-              <a:spcBef>
-                <a:spcPts val="0"/>
-              </a:spcBef>
-              <a:spcAft>
-                <a:spcPts val="0"/>
-              </a:spcAft>
-              <a:buClrTx/>
-              <a:buSzTx/>
-              <a:buFontTx/>
-              <a:buNone/>
-              <a:tabLst/>
-              <a:defRPr/>
-            </a:pPr>
-            <a:r>
-              <a:rPr kumimoji="0" lang="da-DK" sz="700" b="1" i="0" u="none" strike="noStrike" kern="1200" cap="none" spc="0" normalizeH="0" baseline="0" noProof="0">
-                <a:ln>
-                  <a:noFill/>
-                </a:ln>
-                <a:solidFill>
-                  <a:srgbClr val="FFFFFF"/>
-                </a:solidFill>
-                <a:effectLst/>
-                <a:uLnTx/>
-                <a:uFillTx/>
-                <a:latin typeface="Arial"/>
-                <a:ea typeface="+mn-ea"/>
-                <a:cs typeface="+mn-cs"/>
-              </a:rPr>
-              <a:t>Simiam Ghan | sangh@dtu.dk</a:t>
-            </a:r>
-            <a:endParaRPr kumimoji="0" lang="da-DK" sz="700" b="1" i="0" u="none" strike="noStrike" kern="1200" cap="none" spc="0" normalizeH="0" baseline="0" noProof="0" dirty="0">
-              <a:ln>
-                <a:noFill/>
-              </a:ln>
-              <a:solidFill>
-                <a:srgbClr val="FFFFFF"/>
-              </a:solidFill>
-              <a:effectLst/>
-              <a:uLnTx/>
-              <a:uFillTx/>
-              <a:latin typeface="Arial"/>
-              <a:ea typeface="+mn-ea"/>
-              <a:cs typeface="+mn-cs"/>
-            </a:endParaRPr>
-          </a:p>
-        </p:txBody>
-      </p:sp>
-      <p:sp>
-        <p:nvSpPr>
-          <p:cNvPr id="8" name="TextBox 7">
-            <a:extLst>
-              <a:ext uri="{FF2B5EF4-FFF2-40B4-BE49-F238E27FC236}">
-                <a16:creationId xmlns:a16="http://schemas.microsoft.com/office/drawing/2014/main" id="{2F48AD38-5E07-D8BB-AA8B-6756769F3229}"/>
-              </a:ext>
-            </a:extLst>
-          </p:cNvPr>
-          <p:cNvSpPr txBox="1"/>
-          <p:nvPr/>
-        </p:nvSpPr>
-        <p:spPr>
-          <a:xfrm>
-            <a:off x="6158240" y="-408279"/>
-            <a:ext cx="3727624" cy="276999"/>
-          </a:xfrm>
-          <a:prstGeom prst="rect">
-            <a:avLst/>
-          </a:prstGeom>
-          <a:noFill/>
-        </p:spPr>
-        <p:txBody>
-          <a:bodyPr wrap="none" lIns="0" tIns="0" rIns="0" bIns="0" rtlCol="0">
-            <a:spAutoFit/>
-          </a:bodyPr>
-          <a:lstStyle/>
-          <a:p>
-            <a:pPr marL="0" marR="0" lvl="0" indent="0" algn="l" defTabSz="914400" rtl="0" eaLnBrk="1" fontAlgn="auto" latinLnBrk="0" hangingPunct="1">
-              <a:lnSpc>
-                <a:spcPct val="100000"/>
-              </a:lnSpc>
-              <a:spcBef>
-                <a:spcPts val="432"/>
-              </a:spcBef>
-              <a:spcAft>
-                <a:spcPts val="0"/>
-              </a:spcAft>
-              <a:buClrTx/>
-              <a:buSzTx/>
-              <a:buFontTx/>
-              <a:buNone/>
-              <a:tabLst/>
-              <a:defRPr/>
-            </a:pPr>
-            <a:r>
-              <a:rPr kumimoji="0" lang="en-DK" sz="1800" b="0" i="0" u="none" strike="noStrike" kern="1200" cap="none" spc="0" normalizeH="0" baseline="0" noProof="0" dirty="0">
-                <a:ln>
-                  <a:noFill/>
-                </a:ln>
-                <a:solidFill>
-                  <a:srgbClr val="FF0000"/>
-                </a:solidFill>
-                <a:effectLst/>
-                <a:uLnTx/>
-                <a:uFillTx/>
-                <a:latin typeface="Arial"/>
-                <a:ea typeface="+mn-ea"/>
-                <a:cs typeface="+mn-cs"/>
-              </a:rPr>
-              <a:t>Workfunctions versus wavefunctions</a:t>
-            </a:r>
-          </a:p>
-        </p:txBody>
-      </p:sp>
-      <p:sp>
-        <p:nvSpPr>
-          <p:cNvPr id="9" name="TextBox 8">
-            <a:extLst>
-              <a:ext uri="{FF2B5EF4-FFF2-40B4-BE49-F238E27FC236}">
-                <a16:creationId xmlns:a16="http://schemas.microsoft.com/office/drawing/2014/main" id="{11D8C182-5978-D3B9-33B6-298B99A0DBC8}"/>
-              </a:ext>
-            </a:extLst>
-          </p:cNvPr>
-          <p:cNvSpPr txBox="1"/>
-          <p:nvPr/>
-        </p:nvSpPr>
-        <p:spPr>
-          <a:xfrm>
-            <a:off x="1272988" y="-358587"/>
-            <a:ext cx="4787153" cy="246221"/>
-          </a:xfrm>
-          <a:prstGeom prst="rect">
-            <a:avLst/>
-          </a:prstGeom>
-          <a:noFill/>
-        </p:spPr>
-        <p:txBody>
-          <a:bodyPr wrap="square" lIns="0" tIns="0" rIns="0" bIns="0" rtlCol="0">
-            <a:spAutoFit/>
-          </a:bodyPr>
-          <a:lstStyle/>
-          <a:p>
-            <a:pPr marL="0" marR="0" lvl="0" indent="0" algn="l" defTabSz="914400" rtl="0" eaLnBrk="1" fontAlgn="auto" latinLnBrk="0" hangingPunct="1">
-              <a:lnSpc>
-                <a:spcPct val="100000"/>
-              </a:lnSpc>
-              <a:spcBef>
-                <a:spcPts val="432"/>
-              </a:spcBef>
-              <a:spcAft>
-                <a:spcPts val="0"/>
-              </a:spcAft>
-              <a:buClrTx/>
-              <a:buSzTx/>
-              <a:buFontTx/>
-              <a:buNone/>
-              <a:tabLst/>
-              <a:defRPr/>
-            </a:pPr>
-            <a:r>
-              <a:rPr kumimoji="0" lang="en-GB" sz="1050" b="0" i="0" u="none" strike="noStrike" kern="1200" cap="none" spc="0" normalizeH="0" baseline="0" noProof="0" dirty="0">
-                <a:ln>
-                  <a:noFill/>
-                </a:ln>
-                <a:solidFill>
-                  <a:srgbClr val="2F3EEA"/>
-                </a:solidFill>
-                <a:effectLst/>
-                <a:uLnTx/>
-                <a:uFillTx/>
-                <a:latin typeface="Arial"/>
-                <a:ea typeface="+mn-ea"/>
-                <a:cs typeface="+mn-cs"/>
-              </a:rPr>
-              <a:t>Hypothesis: W</a:t>
-            </a:r>
-            <a:r>
-              <a:rPr kumimoji="0" lang="en-DK" sz="1050" b="0" i="0" u="none" strike="noStrike" kern="1200" cap="none" spc="0" normalizeH="0" baseline="0" noProof="0" dirty="0">
-                <a:ln>
-                  <a:noFill/>
-                </a:ln>
-                <a:solidFill>
-                  <a:srgbClr val="2F3EEA"/>
-                </a:solidFill>
-                <a:effectLst/>
-                <a:uLnTx/>
-                <a:uFillTx/>
-                <a:latin typeface="Arial"/>
-                <a:ea typeface="+mn-ea"/>
-                <a:cs typeface="+mn-cs"/>
-              </a:rPr>
-              <a:t>orkfunction is a covalent descriptor </a:t>
-            </a:r>
-            <a:r>
-              <a:rPr kumimoji="0" lang="en-DK" sz="1600" b="0" i="1" u="none" strike="noStrike" kern="1200" cap="none" spc="0" normalizeH="0" baseline="0" noProof="0" dirty="0">
-                <a:ln>
-                  <a:noFill/>
-                </a:ln>
-                <a:solidFill>
-                  <a:srgbClr val="2F3EEA"/>
-                </a:solidFill>
-                <a:effectLst/>
-                <a:uLnTx/>
-                <a:uFillTx/>
-                <a:latin typeface="Arial"/>
-                <a:ea typeface="+mn-ea"/>
-                <a:cs typeface="+mn-cs"/>
-              </a:rPr>
-              <a:t>above</a:t>
-            </a:r>
-            <a:r>
-              <a:rPr kumimoji="0" lang="en-DK" sz="1050" b="0" i="0" u="none" strike="noStrike" kern="1200" cap="none" spc="0" normalizeH="0" baseline="0" noProof="0" dirty="0">
-                <a:ln>
-                  <a:noFill/>
-                </a:ln>
-                <a:solidFill>
-                  <a:srgbClr val="2F3EEA"/>
-                </a:solidFill>
-                <a:effectLst/>
-                <a:uLnTx/>
-                <a:uFillTx/>
-                <a:latin typeface="Arial"/>
-                <a:ea typeface="+mn-ea"/>
-                <a:cs typeface="+mn-cs"/>
-              </a:rPr>
-              <a:t> the surface</a:t>
-            </a:r>
-            <a:r>
-              <a:rPr kumimoji="0" lang="en-DK" sz="1050" b="0" i="0" u="none" strike="noStrike" kern="1200" cap="none" spc="0" normalizeH="0" baseline="0" noProof="0" dirty="0">
-                <a:ln>
-                  <a:noFill/>
-                </a:ln>
-                <a:solidFill>
-                  <a:srgbClr val="000000"/>
-                </a:solidFill>
-                <a:effectLst/>
-                <a:uLnTx/>
-                <a:uFillTx/>
-                <a:latin typeface="Arial"/>
-                <a:ea typeface="+mn-ea"/>
-                <a:cs typeface="+mn-cs"/>
-              </a:rPr>
-              <a:t>.</a:t>
-            </a:r>
-          </a:p>
-        </p:txBody>
-      </p:sp>
-      <p:sp>
-        <p:nvSpPr>
-          <p:cNvPr id="11" name="TextBox 10">
-            <a:extLst>
-              <a:ext uri="{FF2B5EF4-FFF2-40B4-BE49-F238E27FC236}">
-                <a16:creationId xmlns:a16="http://schemas.microsoft.com/office/drawing/2014/main" id="{CEC7CCA4-BA71-EC72-D005-D6D6ABA57B83}"/>
-              </a:ext>
-            </a:extLst>
-          </p:cNvPr>
-          <p:cNvSpPr txBox="1"/>
-          <p:nvPr/>
-        </p:nvSpPr>
-        <p:spPr>
-          <a:xfrm>
-            <a:off x="1084729" y="475129"/>
-            <a:ext cx="1923604" cy="276999"/>
-          </a:xfrm>
-          <a:prstGeom prst="rect">
-            <a:avLst/>
-          </a:prstGeom>
-          <a:noFill/>
-        </p:spPr>
-        <p:txBody>
-          <a:bodyPr wrap="none" lIns="0" tIns="0" rIns="0" bIns="0" rtlCol="0">
-            <a:spAutoFit/>
-          </a:bodyPr>
-          <a:lstStyle/>
-          <a:p>
-            <a:pPr marL="0" marR="0" lvl="0" indent="0" algn="l" defTabSz="914400" rtl="0" eaLnBrk="1" fontAlgn="auto" latinLnBrk="0" hangingPunct="1">
-              <a:lnSpc>
-                <a:spcPct val="100000"/>
-              </a:lnSpc>
-              <a:spcBef>
-                <a:spcPts val="432"/>
-              </a:spcBef>
-              <a:spcAft>
-                <a:spcPts val="0"/>
-              </a:spcAft>
-              <a:buClrTx/>
-              <a:buSzTx/>
-              <a:buFontTx/>
-              <a:buNone/>
-              <a:tabLst/>
-              <a:defRPr/>
-            </a:pPr>
-            <a:r>
-              <a:rPr kumimoji="0" lang="en-GB" sz="1800" b="0" i="0" u="none" strike="noStrike" kern="1200" cap="none" spc="0" normalizeH="0" baseline="0" noProof="0" dirty="0">
-                <a:ln>
-                  <a:noFill/>
-                </a:ln>
-                <a:solidFill>
-                  <a:srgbClr val="000000"/>
-                </a:solidFill>
-                <a:effectLst/>
-                <a:uLnTx/>
-                <a:uFillTx/>
-                <a:latin typeface="Arial"/>
-                <a:ea typeface="+mn-ea"/>
-                <a:cs typeface="+mn-cs"/>
-              </a:rPr>
-              <a:t>I</a:t>
-            </a:r>
-            <a:r>
-              <a:rPr kumimoji="0" lang="en-DK" sz="1800" b="0" i="0" u="none" strike="noStrike" kern="1200" cap="none" spc="0" normalizeH="0" baseline="0" noProof="0" dirty="0">
-                <a:ln>
-                  <a:noFill/>
-                </a:ln>
-                <a:solidFill>
-                  <a:srgbClr val="000000"/>
-                </a:solidFill>
-                <a:effectLst/>
-                <a:uLnTx/>
-                <a:uFillTx/>
-                <a:latin typeface="Arial"/>
-                <a:ea typeface="+mn-ea"/>
-                <a:cs typeface="+mn-cs"/>
-              </a:rPr>
-              <a:t>nclude in paper SI</a:t>
+              <a:t>SI figure</a:t>
             </a:r>
           </a:p>
         </p:txBody>
@@ -11490,71 +8877,6 @@
                 <a:cs typeface="+mn-cs"/>
               </a:rPr>
               <a:t>26.6.2025</a:t>
-            </a:r>
-          </a:p>
-        </p:txBody>
-      </p:sp>
-      <p:sp>
-        <p:nvSpPr>
-          <p:cNvPr id="45" name="TextBox 44">
-            <a:extLst>
-              <a:ext uri="{FF2B5EF4-FFF2-40B4-BE49-F238E27FC236}">
-                <a16:creationId xmlns:a16="http://schemas.microsoft.com/office/drawing/2014/main" id="{02F02B0B-E199-52C6-B474-ADF9AD708368}"/>
-              </a:ext>
-            </a:extLst>
-          </p:cNvPr>
-          <p:cNvSpPr txBox="1"/>
-          <p:nvPr/>
-        </p:nvSpPr>
-        <p:spPr>
-          <a:xfrm>
-            <a:off x="690281" y="-519953"/>
-            <a:ext cx="4142160" cy="276999"/>
-          </a:xfrm>
-          <a:prstGeom prst="rect">
-            <a:avLst/>
-          </a:prstGeom>
-          <a:noFill/>
-        </p:spPr>
-        <p:txBody>
-          <a:bodyPr wrap="none" lIns="0" tIns="0" rIns="0" bIns="0" rtlCol="0">
-            <a:spAutoFit/>
-          </a:bodyPr>
-          <a:lstStyle/>
-          <a:p>
-            <a:pPr marL="0" marR="0" lvl="0" indent="0" algn="l" defTabSz="914400" rtl="0" eaLnBrk="1" fontAlgn="auto" latinLnBrk="0" hangingPunct="1">
-              <a:lnSpc>
-                <a:spcPct val="100000"/>
-              </a:lnSpc>
-              <a:spcBef>
-                <a:spcPts val="432"/>
-              </a:spcBef>
-              <a:spcAft>
-                <a:spcPts val="0"/>
-              </a:spcAft>
-              <a:buClrTx/>
-              <a:buSzTx/>
-              <a:buFontTx/>
-              <a:buNone/>
-              <a:tabLst/>
-              <a:defRPr/>
-            </a:pPr>
-            <a:r>
-              <a:rPr kumimoji="0" lang="en-DK" sz="1800" b="0" i="0" u="none" strike="noStrike" kern="1200" cap="none" spc="0" normalizeH="0" baseline="0" noProof="0" dirty="0">
-                <a:ln>
-                  <a:noFill/>
-                </a:ln>
-                <a:solidFill>
-                  <a:srgbClr val="000000"/>
-                </a:solidFill>
-                <a:effectLst/>
-                <a:uLnTx/>
-                <a:uFillTx/>
-                <a:latin typeface="Arial"/>
-                <a:ea typeface="+mn-ea"/>
-                <a:cs typeface="+mn-cs"/>
-              </a:rPr>
-              <a:t>Further correlations:  derived descriptors</a:t>
             </a:r>
           </a:p>
         </p:txBody>
@@ -11741,8 +9063,8 @@
         </p:nvSpPr>
         <p:spPr>
           <a:xfrm>
-            <a:off x="4283243" y="308008"/>
-            <a:ext cx="4103688" cy="276999"/>
+            <a:off x="2433178" y="478129"/>
+            <a:ext cx="2503891" cy="169277"/>
           </a:xfrm>
           <a:prstGeom prst="rect">
             <a:avLst/>
@@ -11761,25 +9083,25 @@
               </a:spcBef>
             </a:pPr>
             <a:r>
-              <a:rPr lang="en-GB" dirty="0">
+              <a:rPr lang="en-GB" sz="1100" dirty="0">
                 <a:latin typeface="+mn-lt"/>
               </a:rPr>
               <a:t>S</a:t>
             </a:r>
             <a:r>
-              <a:rPr lang="en-DK" dirty="0">
+              <a:rPr lang="en-DK" sz="1100" dirty="0">
                 <a:latin typeface="+mn-lt"/>
               </a:rPr>
               <a:t>elect. </a:t>
             </a:r>
             <a:r>
-              <a:rPr lang="en-GB" dirty="0">
+              <a:rPr lang="en-GB" sz="1100" dirty="0">
                 <a:latin typeface="+mn-lt"/>
               </a:rPr>
               <a:t>R</a:t>
             </a:r>
             <a:r>
-              <a:rPr lang="en-DK" dirty="0">
+              <a:rPr lang="en-DK" sz="1100" dirty="0">
                 <a:latin typeface="+mn-lt"/>
               </a:rPr>
               <a:t>ight click “save as picture” pdf. </a:t>
@@ -12166,7 +9488,7 @@
 </p:sld>
 </file>
 
-<file path=ppt/slides/slide5.xml><?xml version="1.0" encoding="utf-8"?>
+<file path=ppt/slides/slide2.xml><?xml version="1.0" encoding="utf-8"?>
 <p:sld xmlns:a="http://schemas.openxmlformats.org/drawingml/2006/main" xmlns:r="http://schemas.openxmlformats.org/officeDocument/2006/relationships" xmlns:p="http://schemas.openxmlformats.org/presentationml/2006/main">
   <p:cSld>
     <p:spTree>
@@ -12290,7 +9612,7 @@
                 <a:tabLst/>
                 <a:defRPr/>
               </a:pPr>
-              <a:t>5</a:t>
+              <a:t>2</a:t>
             </a:fld>
             <a:endParaRPr kumimoji="0" lang="en-GB" sz="700" b="1" i="0" u="none" strike="noStrike" kern="1200" cap="none" spc="0" normalizeH="0" baseline="0" noProof="0" dirty="0">
               <a:ln>
@@ -12400,358 +9722,6 @@
       </p:sp>
       <p:sp>
         <p:nvSpPr>
-          <p:cNvPr id="4" name="Footer Placeholder 3">
-            <a:extLst>
-              <a:ext uri="{FF2B5EF4-FFF2-40B4-BE49-F238E27FC236}">
-                <a16:creationId xmlns:a16="http://schemas.microsoft.com/office/drawing/2014/main" id="{3B8E4BE4-C007-F97E-1802-959ECFC22B8D}"/>
-              </a:ext>
-            </a:extLst>
-          </p:cNvPr>
-          <p:cNvSpPr>
-            <a:spLocks noGrp="1"/>
-          </p:cNvSpPr>
-          <p:nvPr>
-            <p:ph type="ftr" sz="quarter" idx="13"/>
-          </p:nvPr>
-        </p:nvSpPr>
-        <p:spPr/>
-        <p:txBody>
-          <a:bodyPr/>
-          <a:lstStyle/>
-          <a:p>
-            <a:pPr marL="0" marR="0" lvl="0" indent="0" algn="r" defTabSz="914400" rtl="0" eaLnBrk="1" fontAlgn="auto" latinLnBrk="0" hangingPunct="1">
-              <a:lnSpc>
-                <a:spcPct val="100000"/>
-              </a:lnSpc>
-              <a:spcBef>
-                <a:spcPts val="0"/>
-              </a:spcBef>
-              <a:spcAft>
-                <a:spcPts val="0"/>
-              </a:spcAft>
-              <a:buClrTx/>
-              <a:buSzTx/>
-              <a:buFontTx/>
-              <a:buNone/>
-              <a:tabLst/>
-              <a:defRPr/>
-            </a:pPr>
-            <a:r>
-              <a:rPr kumimoji="0" lang="da-DK" sz="700" b="1" i="0" u="none" strike="noStrike" kern="1200" cap="none" spc="0" normalizeH="0" baseline="0" noProof="0">
-                <a:ln>
-                  <a:noFill/>
-                </a:ln>
-                <a:solidFill>
-                  <a:srgbClr val="FFFFFF"/>
-                </a:solidFill>
-                <a:effectLst/>
-                <a:uLnTx/>
-                <a:uFillTx/>
-                <a:latin typeface="Arial"/>
-                <a:ea typeface="+mn-ea"/>
-                <a:cs typeface="+mn-cs"/>
-              </a:rPr>
-              <a:t>Simiam Ghan | sangh@dtu.dk</a:t>
-            </a:r>
-            <a:endParaRPr kumimoji="0" lang="da-DK" sz="700" b="1" i="0" u="none" strike="noStrike" kern="1200" cap="none" spc="0" normalizeH="0" baseline="0" noProof="0" dirty="0">
-              <a:ln>
-                <a:noFill/>
-              </a:ln>
-              <a:solidFill>
-                <a:srgbClr val="FFFFFF"/>
-              </a:solidFill>
-              <a:effectLst/>
-              <a:uLnTx/>
-              <a:uFillTx/>
-              <a:latin typeface="Arial"/>
-              <a:ea typeface="+mn-ea"/>
-              <a:cs typeface="+mn-cs"/>
-            </a:endParaRPr>
-          </a:p>
-        </p:txBody>
-      </p:sp>
-      <p:sp>
-        <p:nvSpPr>
-          <p:cNvPr id="8" name="TextBox 7">
-            <a:extLst>
-              <a:ext uri="{FF2B5EF4-FFF2-40B4-BE49-F238E27FC236}">
-                <a16:creationId xmlns:a16="http://schemas.microsoft.com/office/drawing/2014/main" id="{2DA7180D-B186-26E7-EDF5-557603E41EAA}"/>
-              </a:ext>
-            </a:extLst>
-          </p:cNvPr>
-          <p:cNvSpPr txBox="1"/>
-          <p:nvPr/>
-        </p:nvSpPr>
-        <p:spPr>
-          <a:xfrm>
-            <a:off x="6158240" y="-408279"/>
-            <a:ext cx="3727624" cy="276999"/>
-          </a:xfrm>
-          <a:prstGeom prst="rect">
-            <a:avLst/>
-          </a:prstGeom>
-          <a:noFill/>
-        </p:spPr>
-        <p:txBody>
-          <a:bodyPr wrap="none" lIns="0" tIns="0" rIns="0" bIns="0" rtlCol="0">
-            <a:spAutoFit/>
-          </a:bodyPr>
-          <a:lstStyle/>
-          <a:p>
-            <a:pPr marL="0" marR="0" lvl="0" indent="0" algn="l" defTabSz="914400" rtl="0" eaLnBrk="1" fontAlgn="auto" latinLnBrk="0" hangingPunct="1">
-              <a:lnSpc>
-                <a:spcPct val="100000"/>
-              </a:lnSpc>
-              <a:spcBef>
-                <a:spcPts val="432"/>
-              </a:spcBef>
-              <a:spcAft>
-                <a:spcPts val="0"/>
-              </a:spcAft>
-              <a:buClrTx/>
-              <a:buSzTx/>
-              <a:buFontTx/>
-              <a:buNone/>
-              <a:tabLst/>
-              <a:defRPr/>
-            </a:pPr>
-            <a:r>
-              <a:rPr kumimoji="0" lang="en-DK" sz="1800" b="0" i="0" u="none" strike="noStrike" kern="1200" cap="none" spc="0" normalizeH="0" baseline="0" noProof="0" dirty="0">
-                <a:ln>
-                  <a:noFill/>
-                </a:ln>
-                <a:solidFill>
-                  <a:srgbClr val="FF0000"/>
-                </a:solidFill>
-                <a:effectLst/>
-                <a:uLnTx/>
-                <a:uFillTx/>
-                <a:latin typeface="Arial"/>
-                <a:ea typeface="+mn-ea"/>
-                <a:cs typeface="+mn-cs"/>
-              </a:rPr>
-              <a:t>Workfunctions versus wavefunctions</a:t>
-            </a:r>
-          </a:p>
-        </p:txBody>
-      </p:sp>
-      <p:sp>
-        <p:nvSpPr>
-          <p:cNvPr id="9" name="TextBox 8">
-            <a:extLst>
-              <a:ext uri="{FF2B5EF4-FFF2-40B4-BE49-F238E27FC236}">
-                <a16:creationId xmlns:a16="http://schemas.microsoft.com/office/drawing/2014/main" id="{E9A17E3A-7D8E-D278-A9AC-2F818300486D}"/>
-              </a:ext>
-            </a:extLst>
-          </p:cNvPr>
-          <p:cNvSpPr txBox="1"/>
-          <p:nvPr/>
-        </p:nvSpPr>
-        <p:spPr>
-          <a:xfrm>
-            <a:off x="1272988" y="-358587"/>
-            <a:ext cx="4787153" cy="246221"/>
-          </a:xfrm>
-          <a:prstGeom prst="rect">
-            <a:avLst/>
-          </a:prstGeom>
-          <a:noFill/>
-        </p:spPr>
-        <p:txBody>
-          <a:bodyPr wrap="square" lIns="0" tIns="0" rIns="0" bIns="0" rtlCol="0">
-            <a:spAutoFit/>
-          </a:bodyPr>
-          <a:lstStyle/>
-          <a:p>
-            <a:pPr marL="0" marR="0" lvl="0" indent="0" algn="l" defTabSz="914400" rtl="0" eaLnBrk="1" fontAlgn="auto" latinLnBrk="0" hangingPunct="1">
-              <a:lnSpc>
-                <a:spcPct val="100000"/>
-              </a:lnSpc>
-              <a:spcBef>
-                <a:spcPts val="432"/>
-              </a:spcBef>
-              <a:spcAft>
-                <a:spcPts val="0"/>
-              </a:spcAft>
-              <a:buClrTx/>
-              <a:buSzTx/>
-              <a:buFontTx/>
-              <a:buNone/>
-              <a:tabLst/>
-              <a:defRPr/>
-            </a:pPr>
-            <a:r>
-              <a:rPr kumimoji="0" lang="en-GB" sz="1050" b="0" i="0" u="none" strike="noStrike" kern="1200" cap="none" spc="0" normalizeH="0" baseline="0" noProof="0" dirty="0">
-                <a:ln>
-                  <a:noFill/>
-                </a:ln>
-                <a:solidFill>
-                  <a:srgbClr val="2F3EEA"/>
-                </a:solidFill>
-                <a:effectLst/>
-                <a:uLnTx/>
-                <a:uFillTx/>
-                <a:latin typeface="Arial"/>
-                <a:ea typeface="+mn-ea"/>
-                <a:cs typeface="+mn-cs"/>
-              </a:rPr>
-              <a:t>Hypothesis: W</a:t>
-            </a:r>
-            <a:r>
-              <a:rPr kumimoji="0" lang="en-DK" sz="1050" b="0" i="0" u="none" strike="noStrike" kern="1200" cap="none" spc="0" normalizeH="0" baseline="0" noProof="0" dirty="0">
-                <a:ln>
-                  <a:noFill/>
-                </a:ln>
-                <a:solidFill>
-                  <a:srgbClr val="2F3EEA"/>
-                </a:solidFill>
-                <a:effectLst/>
-                <a:uLnTx/>
-                <a:uFillTx/>
-                <a:latin typeface="Arial"/>
-                <a:ea typeface="+mn-ea"/>
-                <a:cs typeface="+mn-cs"/>
-              </a:rPr>
-              <a:t>orkfunction is a covalent descriptor </a:t>
-            </a:r>
-            <a:r>
-              <a:rPr kumimoji="0" lang="en-DK" sz="1600" b="0" i="1" u="none" strike="noStrike" kern="1200" cap="none" spc="0" normalizeH="0" baseline="0" noProof="0" dirty="0">
-                <a:ln>
-                  <a:noFill/>
-                </a:ln>
-                <a:solidFill>
-                  <a:srgbClr val="2F3EEA"/>
-                </a:solidFill>
-                <a:effectLst/>
-                <a:uLnTx/>
-                <a:uFillTx/>
-                <a:latin typeface="Arial"/>
-                <a:ea typeface="+mn-ea"/>
-                <a:cs typeface="+mn-cs"/>
-              </a:rPr>
-              <a:t>above</a:t>
-            </a:r>
-            <a:r>
-              <a:rPr kumimoji="0" lang="en-DK" sz="1050" b="0" i="0" u="none" strike="noStrike" kern="1200" cap="none" spc="0" normalizeH="0" baseline="0" noProof="0" dirty="0">
-                <a:ln>
-                  <a:noFill/>
-                </a:ln>
-                <a:solidFill>
-                  <a:srgbClr val="2F3EEA"/>
-                </a:solidFill>
-                <a:effectLst/>
-                <a:uLnTx/>
-                <a:uFillTx/>
-                <a:latin typeface="Arial"/>
-                <a:ea typeface="+mn-ea"/>
-                <a:cs typeface="+mn-cs"/>
-              </a:rPr>
-              <a:t> the surface</a:t>
-            </a:r>
-            <a:r>
-              <a:rPr kumimoji="0" lang="en-DK" sz="1050" b="0" i="0" u="none" strike="noStrike" kern="1200" cap="none" spc="0" normalizeH="0" baseline="0" noProof="0" dirty="0">
-                <a:ln>
-                  <a:noFill/>
-                </a:ln>
-                <a:solidFill>
-                  <a:srgbClr val="000000"/>
-                </a:solidFill>
-                <a:effectLst/>
-                <a:uLnTx/>
-                <a:uFillTx/>
-                <a:latin typeface="Arial"/>
-                <a:ea typeface="+mn-ea"/>
-                <a:cs typeface="+mn-cs"/>
-              </a:rPr>
-              <a:t>.</a:t>
-            </a:r>
-          </a:p>
-        </p:txBody>
-      </p:sp>
-      <p:sp>
-        <p:nvSpPr>
-          <p:cNvPr id="11" name="TextBox 10">
-            <a:extLst>
-              <a:ext uri="{FF2B5EF4-FFF2-40B4-BE49-F238E27FC236}">
-                <a16:creationId xmlns:a16="http://schemas.microsoft.com/office/drawing/2014/main" id="{FDD3E67E-DB39-69D4-BB6A-6DF5DB3F7E80}"/>
-              </a:ext>
-            </a:extLst>
-          </p:cNvPr>
-          <p:cNvSpPr txBox="1"/>
-          <p:nvPr/>
-        </p:nvSpPr>
-        <p:spPr>
-          <a:xfrm>
-            <a:off x="1084729" y="475129"/>
-            <a:ext cx="1923604" cy="276999"/>
-          </a:xfrm>
-          <a:prstGeom prst="rect">
-            <a:avLst/>
-          </a:prstGeom>
-          <a:noFill/>
-        </p:spPr>
-        <p:txBody>
-          <a:bodyPr wrap="none" lIns="0" tIns="0" rIns="0" bIns="0" rtlCol="0">
-            <a:spAutoFit/>
-          </a:bodyPr>
-          <a:lstStyle/>
-          <a:p>
-            <a:pPr marL="0" marR="0" lvl="0" indent="0" algn="l" defTabSz="914400" rtl="0" eaLnBrk="1" fontAlgn="auto" latinLnBrk="0" hangingPunct="1">
-              <a:lnSpc>
-                <a:spcPct val="100000"/>
-              </a:lnSpc>
-              <a:spcBef>
-                <a:spcPts val="432"/>
-              </a:spcBef>
-              <a:spcAft>
-                <a:spcPts val="0"/>
-              </a:spcAft>
-              <a:buClrTx/>
-              <a:buSzTx/>
-              <a:buFontTx/>
-              <a:buNone/>
-              <a:tabLst/>
-              <a:defRPr/>
-            </a:pPr>
-            <a:r>
-              <a:rPr kumimoji="0" lang="en-GB" sz="1800" b="0" i="0" u="none" strike="noStrike" kern="1200" cap="none" spc="0" normalizeH="0" baseline="0" noProof="0" dirty="0">
-                <a:ln>
-                  <a:noFill/>
-                </a:ln>
-                <a:solidFill>
-                  <a:srgbClr val="000000"/>
-                </a:solidFill>
-                <a:effectLst/>
-                <a:uLnTx/>
-                <a:uFillTx/>
-                <a:latin typeface="Arial"/>
-                <a:ea typeface="+mn-ea"/>
-                <a:cs typeface="+mn-cs"/>
-              </a:rPr>
-              <a:t>I</a:t>
-            </a:r>
-            <a:r>
-              <a:rPr kumimoji="0" lang="en-DK" sz="1800" b="0" i="0" u="none" strike="noStrike" kern="1200" cap="none" spc="0" normalizeH="0" baseline="0" noProof="0" dirty="0">
-                <a:ln>
-                  <a:noFill/>
-                </a:ln>
-                <a:solidFill>
-                  <a:srgbClr val="000000"/>
-                </a:solidFill>
-                <a:effectLst/>
-                <a:uLnTx/>
-                <a:uFillTx/>
-                <a:latin typeface="Arial"/>
-                <a:ea typeface="+mn-ea"/>
-                <a:cs typeface="+mn-cs"/>
-              </a:rPr>
-              <a:t>nclude in paper SI</a:t>
-            </a:r>
-          </a:p>
-        </p:txBody>
-      </p:sp>
-      <p:sp>
-        <p:nvSpPr>
           <p:cNvPr id="12" name="TextBox 11">
             <a:extLst>
               <a:ext uri="{FF2B5EF4-FFF2-40B4-BE49-F238E27FC236}">
@@ -12811,71 +9781,6 @@
                 <a:cs typeface="+mn-cs"/>
               </a:rPr>
               <a:t>26.6.2025</a:t>
-            </a:r>
-          </a:p>
-        </p:txBody>
-      </p:sp>
-      <p:sp>
-        <p:nvSpPr>
-          <p:cNvPr id="45" name="TextBox 44">
-            <a:extLst>
-              <a:ext uri="{FF2B5EF4-FFF2-40B4-BE49-F238E27FC236}">
-                <a16:creationId xmlns:a16="http://schemas.microsoft.com/office/drawing/2014/main" id="{9629C31D-93E6-92C5-ECE8-99D32B15698C}"/>
-              </a:ext>
-            </a:extLst>
-          </p:cNvPr>
-          <p:cNvSpPr txBox="1"/>
-          <p:nvPr/>
-        </p:nvSpPr>
-        <p:spPr>
-          <a:xfrm>
-            <a:off x="690281" y="-519953"/>
-            <a:ext cx="4142160" cy="276999"/>
-          </a:xfrm>
-          <a:prstGeom prst="rect">
-            <a:avLst/>
-          </a:prstGeom>
-          <a:noFill/>
-        </p:spPr>
-        <p:txBody>
-          <a:bodyPr wrap="none" lIns="0" tIns="0" rIns="0" bIns="0" rtlCol="0">
-            <a:spAutoFit/>
-          </a:bodyPr>
-          <a:lstStyle/>
-          <a:p>
-            <a:pPr marL="0" marR="0" lvl="0" indent="0" algn="l" defTabSz="914400" rtl="0" eaLnBrk="1" fontAlgn="auto" latinLnBrk="0" hangingPunct="1">
-              <a:lnSpc>
-                <a:spcPct val="100000"/>
-              </a:lnSpc>
-              <a:spcBef>
-                <a:spcPts val="432"/>
-              </a:spcBef>
-              <a:spcAft>
-                <a:spcPts val="0"/>
-              </a:spcAft>
-              <a:buClrTx/>
-              <a:buSzTx/>
-              <a:buFontTx/>
-              <a:buNone/>
-              <a:tabLst/>
-              <a:defRPr/>
-            </a:pPr>
-            <a:r>
-              <a:rPr kumimoji="0" lang="en-DK" sz="1800" b="0" i="0" u="none" strike="noStrike" kern="1200" cap="none" spc="0" normalizeH="0" baseline="0" noProof="0" dirty="0">
-                <a:ln>
-                  <a:noFill/>
-                </a:ln>
-                <a:solidFill>
-                  <a:srgbClr val="000000"/>
-                </a:solidFill>
-                <a:effectLst/>
-                <a:uLnTx/>
-                <a:uFillTx/>
-                <a:latin typeface="Arial"/>
-                <a:ea typeface="+mn-ea"/>
-                <a:cs typeface="+mn-cs"/>
-              </a:rPr>
-              <a:t>Further correlations:  derived descriptors</a:t>
             </a:r>
           </a:p>
         </p:txBody>
@@ -13067,7 +9972,7 @@
         <p:spPr>
           <a:xfrm>
             <a:off x="4283243" y="308008"/>
-            <a:ext cx="4103688" cy="276999"/>
+            <a:ext cx="2503891" cy="169277"/>
           </a:xfrm>
           <a:prstGeom prst="rect">
             <a:avLst/>
@@ -13086,25 +9991,25 @@
               </a:spcBef>
             </a:pPr>
             <a:r>
-              <a:rPr lang="en-GB" dirty="0">
+              <a:rPr lang="en-GB" sz="1100" dirty="0">
                 <a:latin typeface="+mn-lt"/>
               </a:rPr>
               <a:t>S</a:t>
             </a:r>
             <a:r>
-              <a:rPr lang="en-DK" dirty="0">
+              <a:rPr lang="en-DK" sz="1100" dirty="0">
                 <a:latin typeface="+mn-lt"/>
               </a:rPr>
               <a:t>elect. </a:t>
             </a:r>
             <a:r>
-              <a:rPr lang="en-GB" dirty="0">
+              <a:rPr lang="en-GB" sz="1100" dirty="0">
                 <a:latin typeface="+mn-lt"/>
               </a:rPr>
               <a:t>R</a:t>
             </a:r>
             <a:r>
-              <a:rPr lang="en-DK" dirty="0">
+              <a:rPr lang="en-DK" sz="1100" dirty="0">
                 <a:latin typeface="+mn-lt"/>
               </a:rPr>
               <a:t>ight click “save as picture” pdf. </a:t>
@@ -13874,6 +10779,71 @@
                 <a:cs typeface="+mn-cs"/>
               </a:rPr>
               <a:t>)</a:t>
+            </a:r>
+          </a:p>
+        </p:txBody>
+      </p:sp>
+      <p:sp>
+        <p:nvSpPr>
+          <p:cNvPr id="6" name="TextBox 5">
+            <a:extLst>
+              <a:ext uri="{FF2B5EF4-FFF2-40B4-BE49-F238E27FC236}">
+                <a16:creationId xmlns:a16="http://schemas.microsoft.com/office/drawing/2014/main" id="{87655169-7DCA-904E-A3A6-6354848CF411}"/>
+              </a:ext>
+            </a:extLst>
+          </p:cNvPr>
+          <p:cNvSpPr txBox="1"/>
+          <p:nvPr/>
+        </p:nvSpPr>
+        <p:spPr>
+          <a:xfrm>
+            <a:off x="1084729" y="475129"/>
+            <a:ext cx="859210" cy="276999"/>
+          </a:xfrm>
+          <a:prstGeom prst="rect">
+            <a:avLst/>
+          </a:prstGeom>
+          <a:noFill/>
+        </p:spPr>
+        <p:txBody>
+          <a:bodyPr wrap="none" lIns="0" tIns="0" rIns="0" bIns="0" rtlCol="0">
+            <a:spAutoFit/>
+          </a:bodyPr>
+          <a:lstStyle/>
+          <a:p>
+            <a:pPr marL="0" marR="0" lvl="0" indent="0" algn="l" defTabSz="914400" rtl="0" eaLnBrk="1" fontAlgn="auto" latinLnBrk="0" hangingPunct="1">
+              <a:lnSpc>
+                <a:spcPct val="100000"/>
+              </a:lnSpc>
+              <a:spcBef>
+                <a:spcPts val="432"/>
+              </a:spcBef>
+              <a:spcAft>
+                <a:spcPts val="0"/>
+              </a:spcAft>
+              <a:buClrTx/>
+              <a:buSzTx/>
+              <a:buFontTx/>
+              <a:buNone/>
+              <a:tabLst/>
+              <a:defRPr/>
+            </a:pPr>
+            <a:r>
+              <a:rPr kumimoji="0" lang="en-DK" sz="1800" b="0" i="0" u="none" strike="noStrike" kern="1200" cap="none" spc="0" normalizeH="0" baseline="0" noProof="0" dirty="0">
+                <a:ln>
+                  <a:noFill/>
+                </a:ln>
+                <a:solidFill>
+                  <a:srgbClr val="000000"/>
+                </a:solidFill>
+                <a:effectLst/>
+                <a:uLnTx/>
+                <a:uFillTx/>
+                <a:latin typeface="Arial"/>
+                <a:ea typeface="+mn-ea"/>
+                <a:cs typeface="+mn-cs"/>
+              </a:rPr>
+              <a:t>SI figure</a:t>
             </a:r>
           </a:p>
         </p:txBody>
